--- a/prezentacja.pptx
+++ b/prezentacja.pptx
@@ -5,21 +5,22 @@
     <p:sldMasterId id="2147483649" r:id="rId1"/>
   </p:sldMasterIdLst>
   <p:notesMasterIdLst>
-    <p:notesMasterId r:id="rId11"/>
+    <p:notesMasterId r:id="rId12"/>
   </p:notesMasterIdLst>
   <p:handoutMasterIdLst>
-    <p:handoutMasterId r:id="rId12"/>
+    <p:handoutMasterId r:id="rId13"/>
   </p:handoutMasterIdLst>
   <p:sldIdLst>
     <p:sldId id="258" r:id="rId2"/>
     <p:sldId id="265" r:id="rId3"/>
     <p:sldId id="266" r:id="rId4"/>
-    <p:sldId id="259" r:id="rId5"/>
-    <p:sldId id="260" r:id="rId6"/>
-    <p:sldId id="261" r:id="rId7"/>
-    <p:sldId id="262" r:id="rId8"/>
-    <p:sldId id="263" r:id="rId9"/>
-    <p:sldId id="264" r:id="rId10"/>
+    <p:sldId id="267" r:id="rId5"/>
+    <p:sldId id="259" r:id="rId6"/>
+    <p:sldId id="260" r:id="rId7"/>
+    <p:sldId id="261" r:id="rId8"/>
+    <p:sldId id="262" r:id="rId9"/>
+    <p:sldId id="263" r:id="rId10"/>
+    <p:sldId id="264" r:id="rId11"/>
   </p:sldIdLst>
   <p:sldSz cx="9144000" cy="6858000" type="screen4x3"/>
   <p:notesSz cx="6797675" cy="9926638"/>
@@ -148,6 +149,14 @@
       </a:defRPr>
     </a:lvl9pPr>
   </p:defaultTextStyle>
+  <p:extLst>
+    <p:ext uri="{EFAFB233-063F-42B5-8137-9DF3F51BA10A}">
+      <p15:sldGuideLst xmlns:p15="http://schemas.microsoft.com/office/powerpoint/2012/main"/>
+    </p:ext>
+    <p:ext uri="{2D200454-40CA-4A62-9FC3-DE9A4176ACB9}">
+      <p15:notesGuideLst xmlns:p15="http://schemas.microsoft.com/office/powerpoint/2012/main"/>
+    </p:ext>
+  </p:extLst>
 </p:presentation>
 </file>
 
@@ -263,7 +272,7 @@
               <a:pPr>
                 <a:defRPr/>
               </a:pPr>
-              <a:t>19.04.2020</a:t>
+              <a:t>22.04.2020</a:t>
             </a:fld>
             <a:endParaRPr lang="pl-PL"/>
           </a:p>
@@ -476,7 +485,7 @@
               <a:pPr>
                 <a:defRPr/>
               </a:pPr>
-              <a:t>19.04.2020</a:t>
+              <a:t>22.04.2020</a:t>
             </a:fld>
             <a:endParaRPr lang="pl-PL"/>
           </a:p>
@@ -6552,6 +6561,117 @@
 </p:sld>
 </file>
 
+<file path=ppt/slides/slide10.xml><?xml version="1.0" encoding="utf-8"?>
+<p:sld xmlns:a="http://schemas.openxmlformats.org/drawingml/2006/main" xmlns:r="http://schemas.openxmlformats.org/officeDocument/2006/relationships" xmlns:p="http://schemas.openxmlformats.org/presentationml/2006/main">
+  <p:cSld>
+    <p:spTree>
+      <p:nvGrpSpPr>
+        <p:cNvPr id="1" name=""/>
+        <p:cNvGrpSpPr/>
+        <p:nvPr/>
+      </p:nvGrpSpPr>
+      <p:grpSpPr>
+        <a:xfrm>
+          <a:off x="0" y="0"/>
+          <a:ext cx="0" cy="0"/>
+          <a:chOff x="0" y="0"/>
+          <a:chExt cx="0" cy="0"/>
+        </a:xfrm>
+      </p:grpSpPr>
+      <p:sp>
+        <p:nvSpPr>
+          <p:cNvPr id="20482" name="Tytuł 1">
+            <a:extLst>
+              <a:ext uri="{FF2B5EF4-FFF2-40B4-BE49-F238E27FC236}">
+                <a16:creationId xmlns:a16="http://schemas.microsoft.com/office/drawing/2014/main" id="{8EE976E0-B625-C643-9365-41C0AC82055B}"/>
+              </a:ext>
+            </a:extLst>
+          </p:cNvPr>
+          <p:cNvSpPr>
+            <a:spLocks noGrp="1"/>
+          </p:cNvSpPr>
+          <p:nvPr>
+            <p:ph type="title"/>
+          </p:nvPr>
+        </p:nvSpPr>
+        <p:spPr>
+          <a:xfrm>
+            <a:off x="2254250" y="4800600"/>
+            <a:ext cx="5486400" cy="566738"/>
+          </a:xfrm>
+        </p:spPr>
+        <p:txBody>
+          <a:bodyPr/>
+          <a:lstStyle/>
+          <a:p>
+            <a:endParaRPr lang="en-PL" altLang="en-PL"/>
+          </a:p>
+        </p:txBody>
+      </p:sp>
+      <p:sp>
+        <p:nvSpPr>
+          <p:cNvPr id="20483" name="Symbol zastępczy obrazu 2">
+            <a:extLst>
+              <a:ext uri="{FF2B5EF4-FFF2-40B4-BE49-F238E27FC236}">
+                <a16:creationId xmlns:a16="http://schemas.microsoft.com/office/drawing/2014/main" id="{443D8035-F701-5D44-A459-82CBB0EDE58F}"/>
+              </a:ext>
+            </a:extLst>
+          </p:cNvPr>
+          <p:cNvSpPr>
+            <a:spLocks noGrp="1" noTextEdit="1"/>
+          </p:cNvSpPr>
+          <p:nvPr>
+            <p:ph type="pic" idx="1"/>
+          </p:nvPr>
+        </p:nvSpPr>
+        <p:spPr>
+          <a:xfrm>
+            <a:off x="755650" y="0"/>
+            <a:ext cx="8388350" cy="4727575"/>
+          </a:xfrm>
+        </p:spPr>
+      </p:sp>
+      <p:sp>
+        <p:nvSpPr>
+          <p:cNvPr id="20484" name="Symbol zastępczy tekstu 3">
+            <a:extLst>
+              <a:ext uri="{FF2B5EF4-FFF2-40B4-BE49-F238E27FC236}">
+                <a16:creationId xmlns:a16="http://schemas.microsoft.com/office/drawing/2014/main" id="{D246FCA0-D0BC-9D46-9F28-07A10AAD7DCA}"/>
+              </a:ext>
+            </a:extLst>
+          </p:cNvPr>
+          <p:cNvSpPr>
+            <a:spLocks noGrp="1"/>
+          </p:cNvSpPr>
+          <p:nvPr>
+            <p:ph type="body" sz="half" idx="2"/>
+          </p:nvPr>
+        </p:nvSpPr>
+        <p:spPr>
+          <a:xfrm>
+            <a:off x="2254250" y="5367338"/>
+            <a:ext cx="5486400" cy="804862"/>
+          </a:xfrm>
+        </p:spPr>
+        <p:txBody>
+          <a:bodyPr/>
+          <a:lstStyle/>
+          <a:p>
+            <a:endParaRPr lang="en-PL" altLang="en-PL"/>
+          </a:p>
+        </p:txBody>
+      </p:sp>
+    </p:spTree>
+  </p:cSld>
+  <p:clrMapOvr>
+    <a:masterClrMapping/>
+  </p:clrMapOvr>
+  <p:transition>
+    <p:randomBar/>
+  </p:transition>
+</p:sld>
+</file>
+
 <file path=ppt/slides/slide2.xml><?xml version="1.0" encoding="utf-8"?>
 <p:sld xmlns:a="http://schemas.openxmlformats.org/drawingml/2006/main" xmlns:r="http://schemas.openxmlformats.org/officeDocument/2006/relationships" xmlns:p="http://schemas.openxmlformats.org/presentationml/2006/main">
   <p:cSld>
@@ -6767,7 +6887,7 @@
             </a:pPr>
             <a:r>
               <a:rPr lang="pl-PL" altLang="en-PL" dirty="0"/>
-              <a:t>Celem pracy jest zaprojektowanie i implementacja modelu sztucznej sieci neuronowej.</a:t>
+              <a:t>Celem pracy jest zaprojektowanie i implementacja modelu sztucznej sieci neuronowej w celu konserwacji predykcyjnej warystora tlenkowo-cynkowego.</a:t>
             </a:r>
           </a:p>
           <a:p>
@@ -6792,7 +6912,7 @@
             </a:pPr>
             <a:r>
               <a:rPr lang="pl-PL" altLang="en-PL" dirty="0"/>
-              <a:t>monitorowanie stanu warystora na podstawie zmierzonych próbek napięcia i prądu,</a:t>
+              <a:t>monitorowanie stanu warystora na podstawie pomiarów napięcia i prądu,</a:t>
             </a:r>
           </a:p>
           <a:p>
@@ -6802,14 +6922,8 @@
             </a:pPr>
             <a:r>
               <a:rPr lang="pl-PL" altLang="en-PL" dirty="0"/>
-              <a:t>sygnalizacja o wystąpieniu degradacji w strukturze wewnętrznej</a:t>
-            </a:r>
-          </a:p>
-          <a:p>
-            <a:pPr>
-              <a:buFontTx/>
-              <a:buChar char="-"/>
-            </a:pPr>
+              <a:t>sygnalizacja o wystąpieniu anomalii podczas pracy</a:t>
+            </a:r>
             <a:endParaRPr lang="en-PL" altLang="en-PL" dirty="0"/>
           </a:p>
           <a:p>
@@ -6896,6 +7010,132 @@
       </p:grpSpPr>
       <p:sp>
         <p:nvSpPr>
+          <p:cNvPr id="16386" name="Symbol zastępczy zawartości 1">
+            <a:extLst>
+              <a:ext uri="{FF2B5EF4-FFF2-40B4-BE49-F238E27FC236}">
+                <a16:creationId xmlns:a16="http://schemas.microsoft.com/office/drawing/2014/main" id="{20EF55A4-8CAF-D544-ACB4-D9C5334A73C2}"/>
+              </a:ext>
+            </a:extLst>
+          </p:cNvPr>
+          <p:cNvSpPr>
+            <a:spLocks noGrp="1"/>
+          </p:cNvSpPr>
+          <p:nvPr>
+            <p:ph sz="half" idx="1"/>
+          </p:nvPr>
+        </p:nvSpPr>
+        <p:spPr>
+          <a:xfrm>
+            <a:off x="755650" y="1628775"/>
+            <a:ext cx="4032250" cy="5113338"/>
+          </a:xfrm>
+        </p:spPr>
+        <p:txBody>
+          <a:bodyPr/>
+          <a:lstStyle/>
+          <a:p>
+            <a:endParaRPr lang="en-PL" altLang="en-PL" dirty="0"/>
+          </a:p>
+        </p:txBody>
+      </p:sp>
+      <p:sp>
+        <p:nvSpPr>
+          <p:cNvPr id="16387" name="Symbol zastępczy zawartości 2">
+            <a:extLst>
+              <a:ext uri="{FF2B5EF4-FFF2-40B4-BE49-F238E27FC236}">
+                <a16:creationId xmlns:a16="http://schemas.microsoft.com/office/drawing/2014/main" id="{0BE06B5C-3A55-7945-BDEC-EB7741E68228}"/>
+              </a:ext>
+            </a:extLst>
+          </p:cNvPr>
+          <p:cNvSpPr>
+            <a:spLocks noGrp="1"/>
+          </p:cNvSpPr>
+          <p:nvPr>
+            <p:ph sz="half" idx="11"/>
+          </p:nvPr>
+        </p:nvSpPr>
+        <p:spPr>
+          <a:xfrm>
+            <a:off x="4932363" y="1628775"/>
+            <a:ext cx="4108450" cy="5113338"/>
+          </a:xfrm>
+        </p:spPr>
+        <p:txBody>
+          <a:bodyPr/>
+          <a:lstStyle/>
+          <a:p>
+            <a:endParaRPr lang="en-PL" altLang="en-PL" dirty="0"/>
+          </a:p>
+        </p:txBody>
+      </p:sp>
+      <p:sp>
+        <p:nvSpPr>
+          <p:cNvPr id="16389" name="Symbol zastępczy tekstu 4">
+            <a:extLst>
+              <a:ext uri="{FF2B5EF4-FFF2-40B4-BE49-F238E27FC236}">
+                <a16:creationId xmlns:a16="http://schemas.microsoft.com/office/drawing/2014/main" id="{DADE823D-A164-C342-A2F0-DF52134D2F9A}"/>
+              </a:ext>
+            </a:extLst>
+          </p:cNvPr>
+          <p:cNvSpPr>
+            <a:spLocks noGrp="1"/>
+          </p:cNvSpPr>
+          <p:nvPr>
+            <p:ph type="body" idx="12"/>
+          </p:nvPr>
+        </p:nvSpPr>
+        <p:spPr>
+          <a:xfrm>
+            <a:off x="755650" y="104933"/>
+            <a:ext cx="8285163" cy="863600"/>
+          </a:xfrm>
+        </p:spPr>
+        <p:txBody>
+          <a:bodyPr/>
+          <a:lstStyle/>
+          <a:p>
+            <a:r>
+              <a:rPr lang="en-PL" altLang="en-PL" dirty="0"/>
+              <a:t>Konserwacja predykcyjna</a:t>
+            </a:r>
+          </a:p>
+        </p:txBody>
+      </p:sp>
+    </p:spTree>
+    <p:extLst>
+      <p:ext uri="{BB962C8B-B14F-4D97-AF65-F5344CB8AC3E}">
+        <p14:creationId xmlns:p14="http://schemas.microsoft.com/office/powerpoint/2010/main" val="6663210"/>
+      </p:ext>
+    </p:extLst>
+  </p:cSld>
+  <p:clrMapOvr>
+    <a:masterClrMapping/>
+  </p:clrMapOvr>
+  <p:transition>
+    <p:randomBar/>
+  </p:transition>
+</p:sld>
+</file>
+
+<file path=ppt/slides/slide5.xml><?xml version="1.0" encoding="utf-8"?>
+<p:sld xmlns:a="http://schemas.openxmlformats.org/drawingml/2006/main" xmlns:r="http://schemas.openxmlformats.org/officeDocument/2006/relationships" xmlns:p="http://schemas.openxmlformats.org/presentationml/2006/main">
+  <p:cSld>
+    <p:spTree>
+      <p:nvGrpSpPr>
+        <p:cNvPr id="1" name=""/>
+        <p:cNvGrpSpPr/>
+        <p:nvPr/>
+      </p:nvGrpSpPr>
+      <p:grpSpPr>
+        <a:xfrm>
+          <a:off x="0" y="0"/>
+          <a:ext cx="0" cy="0"/>
+          <a:chOff x="0" y="0"/>
+          <a:chExt cx="0" cy="0"/>
+        </a:xfrm>
+      </p:grpSpPr>
+      <p:sp>
+        <p:nvSpPr>
           <p:cNvPr id="15362" name="Symbol zastępczy obrazu 1">
             <a:extLst>
               <a:ext uri="{FF2B5EF4-FFF2-40B4-BE49-F238E27FC236}">
@@ -7018,7 +7258,7 @@
 </p:sld>
 </file>
 
-<file path=ppt/slides/slide5.xml><?xml version="1.0" encoding="utf-8"?>
+<file path=ppt/slides/slide6.xml><?xml version="1.0" encoding="utf-8"?>
 <p:sld xmlns:a="http://schemas.openxmlformats.org/drawingml/2006/main" xmlns:r="http://schemas.openxmlformats.org/officeDocument/2006/relationships" xmlns:p="http://schemas.openxmlformats.org/presentationml/2006/main">
   <p:cSld>
     <p:spTree>
@@ -7166,7 +7406,7 @@
 </p:sld>
 </file>
 
-<file path=ppt/slides/slide6.xml><?xml version="1.0" encoding="utf-8"?>
+<file path=ppt/slides/slide7.xml><?xml version="1.0" encoding="utf-8"?>
 <p:sld xmlns:a="http://schemas.openxmlformats.org/drawingml/2006/main" xmlns:r="http://schemas.openxmlformats.org/officeDocument/2006/relationships" xmlns:p="http://schemas.openxmlformats.org/presentationml/2006/main">
   <p:cSld>
     <p:spTree>
@@ -7344,7 +7584,7 @@
 </p:sld>
 </file>
 
-<file path=ppt/slides/slide7.xml><?xml version="1.0" encoding="utf-8"?>
+<file path=ppt/slides/slide8.xml><?xml version="1.0" encoding="utf-8"?>
 <p:sld xmlns:a="http://schemas.openxmlformats.org/drawingml/2006/main" xmlns:r="http://schemas.openxmlformats.org/officeDocument/2006/relationships" xmlns:p="http://schemas.openxmlformats.org/presentationml/2006/main">
   <p:cSld>
     <p:spTree>
@@ -7462,7 +7702,7 @@
 </p:sld>
 </file>
 
-<file path=ppt/slides/slide8.xml><?xml version="1.0" encoding="utf-8"?>
+<file path=ppt/slides/slide9.xml><?xml version="1.0" encoding="utf-8"?>
 <p:sld xmlns:a="http://schemas.openxmlformats.org/drawingml/2006/main" xmlns:r="http://schemas.openxmlformats.org/officeDocument/2006/relationships" xmlns:p="http://schemas.openxmlformats.org/presentationml/2006/main">
   <p:cSld>
     <p:spTree>
@@ -7559,117 +7799,6 @@
           <a:xfrm>
             <a:off x="684213" y="1435100"/>
             <a:ext cx="3311525" cy="5307013"/>
-          </a:xfrm>
-        </p:spPr>
-        <p:txBody>
-          <a:bodyPr/>
-          <a:lstStyle/>
-          <a:p>
-            <a:endParaRPr lang="en-PL" altLang="en-PL"/>
-          </a:p>
-        </p:txBody>
-      </p:sp>
-    </p:spTree>
-  </p:cSld>
-  <p:clrMapOvr>
-    <a:masterClrMapping/>
-  </p:clrMapOvr>
-  <p:transition>
-    <p:randomBar/>
-  </p:transition>
-</p:sld>
-</file>
-
-<file path=ppt/slides/slide9.xml><?xml version="1.0" encoding="utf-8"?>
-<p:sld xmlns:a="http://schemas.openxmlformats.org/drawingml/2006/main" xmlns:r="http://schemas.openxmlformats.org/officeDocument/2006/relationships" xmlns:p="http://schemas.openxmlformats.org/presentationml/2006/main">
-  <p:cSld>
-    <p:spTree>
-      <p:nvGrpSpPr>
-        <p:cNvPr id="1" name=""/>
-        <p:cNvGrpSpPr/>
-        <p:nvPr/>
-      </p:nvGrpSpPr>
-      <p:grpSpPr>
-        <a:xfrm>
-          <a:off x="0" y="0"/>
-          <a:ext cx="0" cy="0"/>
-          <a:chOff x="0" y="0"/>
-          <a:chExt cx="0" cy="0"/>
-        </a:xfrm>
-      </p:grpSpPr>
-      <p:sp>
-        <p:nvSpPr>
-          <p:cNvPr id="20482" name="Tytuł 1">
-            <a:extLst>
-              <a:ext uri="{FF2B5EF4-FFF2-40B4-BE49-F238E27FC236}">
-                <a16:creationId xmlns:a16="http://schemas.microsoft.com/office/drawing/2014/main" id="{8EE976E0-B625-C643-9365-41C0AC82055B}"/>
-              </a:ext>
-            </a:extLst>
-          </p:cNvPr>
-          <p:cNvSpPr>
-            <a:spLocks noGrp="1"/>
-          </p:cNvSpPr>
-          <p:nvPr>
-            <p:ph type="title"/>
-          </p:nvPr>
-        </p:nvSpPr>
-        <p:spPr>
-          <a:xfrm>
-            <a:off x="2254250" y="4800600"/>
-            <a:ext cx="5486400" cy="566738"/>
-          </a:xfrm>
-        </p:spPr>
-        <p:txBody>
-          <a:bodyPr/>
-          <a:lstStyle/>
-          <a:p>
-            <a:endParaRPr lang="en-PL" altLang="en-PL"/>
-          </a:p>
-        </p:txBody>
-      </p:sp>
-      <p:sp>
-        <p:nvSpPr>
-          <p:cNvPr id="20483" name="Symbol zastępczy obrazu 2">
-            <a:extLst>
-              <a:ext uri="{FF2B5EF4-FFF2-40B4-BE49-F238E27FC236}">
-                <a16:creationId xmlns:a16="http://schemas.microsoft.com/office/drawing/2014/main" id="{443D8035-F701-5D44-A459-82CBB0EDE58F}"/>
-              </a:ext>
-            </a:extLst>
-          </p:cNvPr>
-          <p:cNvSpPr>
-            <a:spLocks noGrp="1" noTextEdit="1"/>
-          </p:cNvSpPr>
-          <p:nvPr>
-            <p:ph type="pic" idx="1"/>
-          </p:nvPr>
-        </p:nvSpPr>
-        <p:spPr>
-          <a:xfrm>
-            <a:off x="755650" y="0"/>
-            <a:ext cx="8388350" cy="4727575"/>
-          </a:xfrm>
-        </p:spPr>
-      </p:sp>
-      <p:sp>
-        <p:nvSpPr>
-          <p:cNvPr id="20484" name="Symbol zastępczy tekstu 3">
-            <a:extLst>
-              <a:ext uri="{FF2B5EF4-FFF2-40B4-BE49-F238E27FC236}">
-                <a16:creationId xmlns:a16="http://schemas.microsoft.com/office/drawing/2014/main" id="{D246FCA0-D0BC-9D46-9F28-07A10AAD7DCA}"/>
-              </a:ext>
-            </a:extLst>
-          </p:cNvPr>
-          <p:cNvSpPr>
-            <a:spLocks noGrp="1"/>
-          </p:cNvSpPr>
-          <p:nvPr>
-            <p:ph type="body" sz="half" idx="2"/>
-          </p:nvPr>
-        </p:nvSpPr>
-        <p:spPr>
-          <a:xfrm>
-            <a:off x="2254250" y="5367338"/>
-            <a:ext cx="5486400" cy="804862"/>
           </a:xfrm>
         </p:spPr>
         <p:txBody>

--- a/prezentacja.pptx
+++ b/prezentacja.pptx
@@ -5,22 +5,21 @@
     <p:sldMasterId id="2147483649" r:id="rId1"/>
   </p:sldMasterIdLst>
   <p:notesMasterIdLst>
-    <p:notesMasterId r:id="rId12"/>
+    <p:notesMasterId r:id="rId11"/>
   </p:notesMasterIdLst>
   <p:handoutMasterIdLst>
-    <p:handoutMasterId r:id="rId13"/>
+    <p:handoutMasterId r:id="rId12"/>
   </p:handoutMasterIdLst>
   <p:sldIdLst>
     <p:sldId id="258" r:id="rId2"/>
     <p:sldId id="265" r:id="rId3"/>
     <p:sldId id="266" r:id="rId4"/>
-    <p:sldId id="267" r:id="rId5"/>
-    <p:sldId id="259" r:id="rId6"/>
-    <p:sldId id="260" r:id="rId7"/>
-    <p:sldId id="261" r:id="rId8"/>
-    <p:sldId id="262" r:id="rId9"/>
-    <p:sldId id="263" r:id="rId10"/>
-    <p:sldId id="264" r:id="rId11"/>
+    <p:sldId id="269" r:id="rId5"/>
+    <p:sldId id="270" r:id="rId6"/>
+    <p:sldId id="271" r:id="rId7"/>
+    <p:sldId id="272" r:id="rId8"/>
+    <p:sldId id="273" r:id="rId9"/>
+    <p:sldId id="274" r:id="rId10"/>
   </p:sldIdLst>
   <p:sldSz cx="9144000" cy="6858000" type="screen4x3"/>
   <p:notesSz cx="6797675" cy="9926638"/>
@@ -272,7 +271,7 @@
               <a:pPr>
                 <a:defRPr/>
               </a:pPr>
-              <a:t>22.04.2020</a:t>
+              <a:t>27.04.2020</a:t>
             </a:fld>
             <a:endParaRPr lang="pl-PL"/>
           </a:p>
@@ -485,7 +484,7 @@
               <a:pPr>
                 <a:defRPr/>
               </a:pPr>
-              <a:t>22.04.2020</a:t>
+              <a:t>27.04.2020</a:t>
             </a:fld>
             <a:endParaRPr lang="pl-PL"/>
           </a:p>
@@ -6544,120 +6543,9 @@
           <a:p>
             <a:pPr algn="ctr"/>
             <a:r>
-              <a:rPr lang="en-PL" altLang="en-PL" dirty="0"/>
+              <a:rPr lang="en-PL" altLang="en-PL" sz="4000" dirty="0"/>
               <a:t>Praca inżynierska</a:t>
             </a:r>
-          </a:p>
-        </p:txBody>
-      </p:sp>
-    </p:spTree>
-  </p:cSld>
-  <p:clrMapOvr>
-    <a:masterClrMapping/>
-  </p:clrMapOvr>
-  <p:transition>
-    <p:randomBar/>
-  </p:transition>
-</p:sld>
-</file>
-
-<file path=ppt/slides/slide10.xml><?xml version="1.0" encoding="utf-8"?>
-<p:sld xmlns:a="http://schemas.openxmlformats.org/drawingml/2006/main" xmlns:r="http://schemas.openxmlformats.org/officeDocument/2006/relationships" xmlns:p="http://schemas.openxmlformats.org/presentationml/2006/main">
-  <p:cSld>
-    <p:spTree>
-      <p:nvGrpSpPr>
-        <p:cNvPr id="1" name=""/>
-        <p:cNvGrpSpPr/>
-        <p:nvPr/>
-      </p:nvGrpSpPr>
-      <p:grpSpPr>
-        <a:xfrm>
-          <a:off x="0" y="0"/>
-          <a:ext cx="0" cy="0"/>
-          <a:chOff x="0" y="0"/>
-          <a:chExt cx="0" cy="0"/>
-        </a:xfrm>
-      </p:grpSpPr>
-      <p:sp>
-        <p:nvSpPr>
-          <p:cNvPr id="20482" name="Tytuł 1">
-            <a:extLst>
-              <a:ext uri="{FF2B5EF4-FFF2-40B4-BE49-F238E27FC236}">
-                <a16:creationId xmlns:a16="http://schemas.microsoft.com/office/drawing/2014/main" id="{8EE976E0-B625-C643-9365-41C0AC82055B}"/>
-              </a:ext>
-            </a:extLst>
-          </p:cNvPr>
-          <p:cNvSpPr>
-            <a:spLocks noGrp="1"/>
-          </p:cNvSpPr>
-          <p:nvPr>
-            <p:ph type="title"/>
-          </p:nvPr>
-        </p:nvSpPr>
-        <p:spPr>
-          <a:xfrm>
-            <a:off x="2254250" y="4800600"/>
-            <a:ext cx="5486400" cy="566738"/>
-          </a:xfrm>
-        </p:spPr>
-        <p:txBody>
-          <a:bodyPr/>
-          <a:lstStyle/>
-          <a:p>
-            <a:endParaRPr lang="en-PL" altLang="en-PL"/>
-          </a:p>
-        </p:txBody>
-      </p:sp>
-      <p:sp>
-        <p:nvSpPr>
-          <p:cNvPr id="20483" name="Symbol zastępczy obrazu 2">
-            <a:extLst>
-              <a:ext uri="{FF2B5EF4-FFF2-40B4-BE49-F238E27FC236}">
-                <a16:creationId xmlns:a16="http://schemas.microsoft.com/office/drawing/2014/main" id="{443D8035-F701-5D44-A459-82CBB0EDE58F}"/>
-              </a:ext>
-            </a:extLst>
-          </p:cNvPr>
-          <p:cNvSpPr>
-            <a:spLocks noGrp="1" noTextEdit="1"/>
-          </p:cNvSpPr>
-          <p:nvPr>
-            <p:ph type="pic" idx="1"/>
-          </p:nvPr>
-        </p:nvSpPr>
-        <p:spPr>
-          <a:xfrm>
-            <a:off x="755650" y="0"/>
-            <a:ext cx="8388350" cy="4727575"/>
-          </a:xfrm>
-        </p:spPr>
-      </p:sp>
-      <p:sp>
-        <p:nvSpPr>
-          <p:cNvPr id="20484" name="Symbol zastępczy tekstu 3">
-            <a:extLst>
-              <a:ext uri="{FF2B5EF4-FFF2-40B4-BE49-F238E27FC236}">
-                <a16:creationId xmlns:a16="http://schemas.microsoft.com/office/drawing/2014/main" id="{D246FCA0-D0BC-9D46-9F28-07A10AAD7DCA}"/>
-              </a:ext>
-            </a:extLst>
-          </p:cNvPr>
-          <p:cNvSpPr>
-            <a:spLocks noGrp="1"/>
-          </p:cNvSpPr>
-          <p:nvPr>
-            <p:ph type="body" sz="half" idx="2"/>
-          </p:nvPr>
-        </p:nvSpPr>
-        <p:spPr>
-          <a:xfrm>
-            <a:off x="2254250" y="5367338"/>
-            <a:ext cx="5486400" cy="804862"/>
-          </a:xfrm>
-        </p:spPr>
-        <p:txBody>
-          <a:bodyPr/>
-          <a:lstStyle/>
-          <a:p>
-            <a:endParaRPr lang="en-PL" altLang="en-PL"/>
           </a:p>
         </p:txBody>
       </p:sp>
@@ -6817,7 +6705,7 @@
           <a:lstStyle/>
           <a:p>
             <a:r>
-              <a:rPr lang="en-PL" altLang="en-PL" dirty="0"/>
+              <a:rPr lang="en-PL" altLang="en-PL" sz="4000" dirty="0"/>
               <a:t>Agenda</a:t>
             </a:r>
           </a:p>
@@ -6887,7 +6775,7 @@
             </a:pPr>
             <a:r>
               <a:rPr lang="pl-PL" altLang="en-PL" dirty="0"/>
-              <a:t>Celem pracy jest zaprojektowanie i implementacja modelu sztucznej sieci neuronowej w celu konserwacji predykcyjnej warystora tlenkowo-cynkowego.</a:t>
+              <a:t>Zaprojektowanie i implementacja modelu sztucznej sieci neuronowej w celu monitorowania stanu technicznego warystora tlenkowo-cynkowego.</a:t>
             </a:r>
           </a:p>
           <a:p>
@@ -6901,8 +6789,8 @@
               <a:buNone/>
             </a:pPr>
             <a:r>
-              <a:rPr lang="pl-PL" altLang="en-PL" dirty="0"/>
-              <a:t>Zadanie modelu:</a:t>
+              <a:rPr lang="en-PL" altLang="en-PL" u="sng" dirty="0"/>
+              <a:t>Użyta technologia:</a:t>
             </a:r>
           </a:p>
           <a:p>
@@ -6911,8 +6799,8 @@
               <a:buChar char="-"/>
             </a:pPr>
             <a:r>
-              <a:rPr lang="pl-PL" altLang="en-PL" dirty="0"/>
-              <a:t>monitorowanie stanu warystora na podstawie pomiarów napięcia i prądu,</a:t>
+              <a:rPr lang="en-PL" altLang="en-PL" dirty="0"/>
+              <a:t>Python 3.8,</a:t>
             </a:r>
           </a:p>
           <a:p>
@@ -6921,14 +6809,35 @@
               <a:buChar char="-"/>
             </a:pPr>
             <a:r>
-              <a:rPr lang="pl-PL" altLang="en-PL" dirty="0"/>
-              <a:t>sygnalizacja o wystąpieniu anomalii podczas pracy</a:t>
-            </a:r>
+              <a:rPr lang="en-GB" altLang="en-PL" dirty="0"/>
+              <a:t>n</a:t>
+            </a:r>
+            <a:r>
+              <a:rPr lang="en-PL" altLang="en-PL" dirty="0"/>
+              <a:t>umpy, pandas, matplotlib,</a:t>
+            </a:r>
+          </a:p>
+          <a:p>
+            <a:pPr>
+              <a:buFontTx/>
+              <a:buChar char="-"/>
+            </a:pPr>
+            <a:r>
+              <a:rPr lang="en-PL" altLang="en-PL" dirty="0"/>
+              <a:t>Tensorflow 2.1</a:t>
+            </a:r>
+          </a:p>
+          <a:p>
+            <a:pPr>
+              <a:buFontTx/>
+              <a:buChar char="-"/>
+            </a:pPr>
             <a:endParaRPr lang="en-PL" altLang="en-PL" dirty="0"/>
           </a:p>
           <a:p>
-            <a:pPr marL="0" indent="0">
-              <a:buNone/>
+            <a:pPr>
+              <a:buFontTx/>
+              <a:buChar char="-"/>
             </a:pPr>
             <a:endParaRPr lang="en-PL" altLang="en-PL" dirty="0"/>
           </a:p>
@@ -6961,20 +6870,56 @@
           <a:lstStyle/>
           <a:p>
             <a:r>
-              <a:rPr lang="en-PL" altLang="en-PL" dirty="0"/>
+              <a:rPr lang="en-PL" altLang="en-PL" sz="4000" dirty="0"/>
               <a:t>1. Cel </a:t>
             </a:r>
             <a:r>
-              <a:rPr lang="en-GB" altLang="en-PL" dirty="0"/>
+              <a:rPr lang="en-GB" altLang="en-PL" sz="4000" dirty="0"/>
               <a:t>i</a:t>
             </a:r>
             <a:r>
-              <a:rPr lang="en-PL" altLang="en-PL" dirty="0"/>
+              <a:rPr lang="en-PL" altLang="en-PL" sz="4000" dirty="0"/>
               <a:t> zakres pracy</a:t>
             </a:r>
           </a:p>
         </p:txBody>
       </p:sp>
+      <p:pic>
+        <p:nvPicPr>
+          <p:cNvPr id="3" name="Picture 2" descr="A close up of a logo&#10;&#10;Description automatically generated">
+            <a:extLst>
+              <a:ext uri="{FF2B5EF4-FFF2-40B4-BE49-F238E27FC236}">
+                <a16:creationId xmlns:a16="http://schemas.microsoft.com/office/drawing/2014/main" id="{BD1D55EC-D23A-6240-B16A-E471BC2B4388}"/>
+              </a:ext>
+            </a:extLst>
+          </p:cNvPr>
+          <p:cNvPicPr>
+            <a:picLocks noChangeAspect="1"/>
+          </p:cNvPicPr>
+          <p:nvPr/>
+        </p:nvPicPr>
+        <p:blipFill>
+          <a:blip r:embed="rId2">
+            <a:extLst>
+              <a:ext uri="{28A0092B-C50C-407E-A947-70E740481C1C}">
+                <a14:useLocalDpi xmlns:a14="http://schemas.microsoft.com/office/drawing/2010/main" val="0"/>
+              </a:ext>
+            </a:extLst>
+          </a:blip>
+          <a:stretch>
+            <a:fillRect/>
+          </a:stretch>
+        </p:blipFill>
+        <p:spPr>
+          <a:xfrm>
+            <a:off x="5292080" y="3573016"/>
+            <a:ext cx="3392708" cy="1908398"/>
+          </a:xfrm>
+          <a:prstGeom prst="rect">
+            <a:avLst/>
+          </a:prstGeom>
+        </p:spPr>
+      </p:pic>
     </p:spTree>
     <p:extLst>
       <p:ext uri="{BB962C8B-B14F-4D97-AF65-F5344CB8AC3E}">
@@ -7010,10 +6955,10 @@
       </p:grpSpPr>
       <p:sp>
         <p:nvSpPr>
-          <p:cNvPr id="16386" name="Symbol zastępczy zawartości 1">
+          <p:cNvPr id="14338" name="Symbol zastępczy zawartości 1">
             <a:extLst>
               <a:ext uri="{FF2B5EF4-FFF2-40B4-BE49-F238E27FC236}">
-                <a16:creationId xmlns:a16="http://schemas.microsoft.com/office/drawing/2014/main" id="{20EF55A4-8CAF-D544-ACB4-D9C5334A73C2}"/>
+                <a16:creationId xmlns:a16="http://schemas.microsoft.com/office/drawing/2014/main" id="{484EB451-4A34-6543-B91C-7EC8B29A3A0B}"/>
               </a:ext>
             </a:extLst>
           </p:cNvPr>
@@ -7026,24 +6971,132 @@
         </p:nvSpPr>
         <p:spPr>
           <a:xfrm>
-            <a:off x="755650" y="1628775"/>
-            <a:ext cx="4032250" cy="5113338"/>
+            <a:off x="755650" y="1268760"/>
+            <a:ext cx="8262938" cy="5256212"/>
           </a:xfrm>
         </p:spPr>
         <p:txBody>
           <a:bodyPr/>
           <a:lstStyle/>
           <a:p>
+            <a:pPr marL="0" indent="0">
+              <a:buNone/>
+            </a:pPr>
+            <a:r>
+              <a:rPr lang="pl-PL" altLang="en-PL" b="1" u="sng" dirty="0"/>
+              <a:t>Konserwacja prewencyjna:</a:t>
+            </a:r>
+          </a:p>
+          <a:p>
+            <a:pPr>
+              <a:buFontTx/>
+              <a:buChar char="-"/>
+            </a:pPr>
+            <a:r>
+              <a:rPr lang="pl-PL" altLang="en-PL" dirty="0"/>
+              <a:t>optymalne okresy pomiędzy przeglądami,</a:t>
+            </a:r>
+          </a:p>
+          <a:p>
+            <a:pPr>
+              <a:buFontTx/>
+              <a:buChar char="-"/>
+            </a:pPr>
+            <a:r>
+              <a:rPr lang="pl-PL" altLang="en-PL" dirty="0"/>
+              <a:t>optymalne zakresy przeglądów</a:t>
+            </a:r>
+          </a:p>
+          <a:p>
+            <a:pPr marL="0" indent="0">
+              <a:buNone/>
+            </a:pPr>
+            <a:endParaRPr lang="pl-PL" altLang="en-PL" dirty="0"/>
+          </a:p>
+          <a:p>
+            <a:pPr marL="0" indent="0">
+              <a:buNone/>
+            </a:pPr>
+            <a:r>
+              <a:rPr lang="pl-PL" altLang="en-PL" b="1" u="sng" dirty="0"/>
+              <a:t>Konserwacja predykcyjna:</a:t>
+            </a:r>
+          </a:p>
+          <a:p>
+            <a:pPr>
+              <a:buFontTx/>
+              <a:buChar char="-"/>
+            </a:pPr>
+            <a:r>
+              <a:rPr lang="pl-PL" altLang="en-PL" dirty="0"/>
+              <a:t>optymalne warunki określające konieczność wykonania konserwacji,</a:t>
+            </a:r>
+          </a:p>
+          <a:p>
+            <a:pPr>
+              <a:buFontTx/>
+              <a:buChar char="-"/>
+            </a:pPr>
+            <a:r>
+              <a:rPr lang="pl-PL" altLang="en-PL" dirty="0"/>
+              <a:t>decyzja oparta na bieżących danych,</a:t>
+            </a:r>
+          </a:p>
+          <a:p>
+            <a:pPr>
+              <a:buFontTx/>
+              <a:buChar char="-"/>
+            </a:pPr>
+            <a:endParaRPr lang="pl-PL" altLang="en-PL" dirty="0"/>
+          </a:p>
+          <a:p>
+            <a:pPr>
+              <a:buFontTx/>
+              <a:buChar char="-"/>
+            </a:pPr>
+            <a:endParaRPr lang="pl-PL" altLang="en-PL" dirty="0"/>
+          </a:p>
+          <a:p>
+            <a:pPr marL="0" indent="0">
+              <a:buNone/>
+            </a:pPr>
+            <a:endParaRPr lang="pl-PL" altLang="en-PL" dirty="0"/>
+          </a:p>
+          <a:p>
+            <a:pPr>
+              <a:buFontTx/>
+              <a:buChar char="-"/>
+            </a:pPr>
+            <a:endParaRPr lang="pl-PL" altLang="en-PL" dirty="0"/>
+          </a:p>
+          <a:p>
+            <a:pPr>
+              <a:buFontTx/>
+              <a:buChar char="-"/>
+            </a:pPr>
+            <a:endParaRPr lang="pl-PL" altLang="en-PL" dirty="0"/>
+          </a:p>
+          <a:p>
+            <a:pPr marL="0" indent="0">
+              <a:buNone/>
+            </a:pPr>
+            <a:endParaRPr lang="en-PL" altLang="en-PL" dirty="0"/>
+          </a:p>
+          <a:p>
+            <a:pPr>
+              <a:buFontTx/>
+              <a:buChar char="-"/>
+            </a:pPr>
             <a:endParaRPr lang="en-PL" altLang="en-PL" dirty="0"/>
           </a:p>
         </p:txBody>
       </p:sp>
       <p:sp>
         <p:nvSpPr>
-          <p:cNvPr id="16387" name="Symbol zastępczy zawartości 2">
+          <p:cNvPr id="14340" name="Symbol zastępczy tekstu 3">
             <a:extLst>
               <a:ext uri="{FF2B5EF4-FFF2-40B4-BE49-F238E27FC236}">
-                <a16:creationId xmlns:a16="http://schemas.microsoft.com/office/drawing/2014/main" id="{0BE06B5C-3A55-7945-BDEC-EB7741E68228}"/>
+                <a16:creationId xmlns:a16="http://schemas.microsoft.com/office/drawing/2014/main" id="{9DB6F90B-FF05-A640-BDE1-4B0DEAFAA437}"/>
               </a:ext>
             </a:extLst>
           </p:cNvPr>
@@ -7051,42 +7104,12 @@
             <a:spLocks noGrp="1"/>
           </p:cNvSpPr>
           <p:nvPr>
-            <p:ph sz="half" idx="11"/>
+            <p:ph type="body" idx="11"/>
           </p:nvPr>
         </p:nvSpPr>
         <p:spPr>
           <a:xfrm>
-            <a:off x="4932363" y="1628775"/>
-            <a:ext cx="4108450" cy="5113338"/>
-          </a:xfrm>
-        </p:spPr>
-        <p:txBody>
-          <a:bodyPr/>
-          <a:lstStyle/>
-          <a:p>
-            <a:endParaRPr lang="en-PL" altLang="en-PL" dirty="0"/>
-          </a:p>
-        </p:txBody>
-      </p:sp>
-      <p:sp>
-        <p:nvSpPr>
-          <p:cNvPr id="16389" name="Symbol zastępczy tekstu 4">
-            <a:extLst>
-              <a:ext uri="{FF2B5EF4-FFF2-40B4-BE49-F238E27FC236}">
-                <a16:creationId xmlns:a16="http://schemas.microsoft.com/office/drawing/2014/main" id="{DADE823D-A164-C342-A2F0-DF52134D2F9A}"/>
-              </a:ext>
-            </a:extLst>
-          </p:cNvPr>
-          <p:cNvSpPr>
-            <a:spLocks noGrp="1"/>
-          </p:cNvSpPr>
-          <p:nvPr>
-            <p:ph type="body" idx="12"/>
-          </p:nvPr>
-        </p:nvSpPr>
-        <p:spPr>
-          <a:xfrm>
-            <a:off x="755650" y="104933"/>
+            <a:off x="739713" y="333028"/>
             <a:ext cx="8285163" cy="863600"/>
           </a:xfrm>
         </p:spPr>
@@ -7095,16 +7118,85 @@
           <a:lstStyle/>
           <a:p>
             <a:r>
-              <a:rPr lang="en-PL" altLang="en-PL" dirty="0"/>
-              <a:t>Konserwacja predykcyjna</a:t>
+              <a:rPr lang="en-PL" sz="4000" dirty="0"/>
+              <a:t>2. Konserwacja predykcyjna</a:t>
             </a:r>
           </a:p>
         </p:txBody>
       </p:sp>
+      <p:pic>
+        <p:nvPicPr>
+          <p:cNvPr id="4" name="Content Placeholder 6">
+            <a:extLst>
+              <a:ext uri="{FF2B5EF4-FFF2-40B4-BE49-F238E27FC236}">
+                <a16:creationId xmlns:a16="http://schemas.microsoft.com/office/drawing/2014/main" id="{6202E851-88C9-A345-B4C8-FEC3BD192041}"/>
+              </a:ext>
+            </a:extLst>
+          </p:cNvPr>
+          <p:cNvPicPr>
+            <a:picLocks noChangeAspect="1"/>
+          </p:cNvPicPr>
+          <p:nvPr/>
+        </p:nvPicPr>
+        <p:blipFill>
+          <a:blip r:embed="rId2">
+            <a:extLst>
+              <a:ext uri="{28A0092B-C50C-407E-A947-70E740481C1C}">
+                <a14:useLocalDpi xmlns:a14="http://schemas.microsoft.com/office/drawing/2010/main" val="0"/>
+              </a:ext>
+            </a:extLst>
+          </a:blip>
+          <a:stretch>
+            <a:fillRect/>
+          </a:stretch>
+        </p:blipFill>
+        <p:spPr bwMode="auto">
+          <a:xfrm>
+            <a:off x="1078073" y="5373216"/>
+            <a:ext cx="7608442" cy="864096"/>
+          </a:xfrm>
+          <a:prstGeom prst="rect">
+            <a:avLst/>
+          </a:prstGeom>
+          <a:noFill/>
+          <a:ln>
+            <a:noFill/>
+          </a:ln>
+          <a:effectLst/>
+          <a:extLst>
+            <a:ext uri="{909E8E84-426E-40DD-AFC4-6F175D3DCCD1}">
+              <a14:hiddenFill xmlns:a14="http://schemas.microsoft.com/office/drawing/2010/main">
+                <a:solidFill>
+                  <a:schemeClr val="accent1"/>
+                </a:solidFill>
+              </a14:hiddenFill>
+            </a:ext>
+            <a:ext uri="{91240B29-F687-4F45-9708-019B960494DF}">
+              <a14:hiddenLine xmlns:a14="http://schemas.microsoft.com/office/drawing/2010/main" w="9525">
+                <a:solidFill>
+                  <a:schemeClr val="tx1"/>
+                </a:solidFill>
+                <a:miter lim="800000"/>
+                <a:headEnd/>
+                <a:tailEnd/>
+              </a14:hiddenLine>
+            </a:ext>
+            <a:ext uri="{AF507438-7753-43E0-B8FC-AC1667EBCBE1}">
+              <a14:hiddenEffects xmlns:a14="http://schemas.microsoft.com/office/drawing/2010/main">
+                <a:effectLst>
+                  <a:outerShdw dist="35921" dir="2700000" algn="ctr" rotWithShape="0">
+                    <a:schemeClr val="bg2"/>
+                  </a:outerShdw>
+                </a:effectLst>
+              </a14:hiddenEffects>
+            </a:ext>
+          </a:extLst>
+        </p:spPr>
+      </p:pic>
     </p:spTree>
     <p:extLst>
       <p:ext uri="{BB962C8B-B14F-4D97-AF65-F5344CB8AC3E}">
-        <p14:creationId xmlns:p14="http://schemas.microsoft.com/office/powerpoint/2010/main" val="6663210"/>
+        <p14:creationId xmlns:p14="http://schemas.microsoft.com/office/powerpoint/2010/main" val="2825920419"/>
       </p:ext>
     </p:extLst>
   </p:cSld>
@@ -7136,33 +7228,10 @@
       </p:grpSpPr>
       <p:sp>
         <p:nvSpPr>
-          <p:cNvPr id="15362" name="Symbol zastępczy obrazu 1">
+          <p:cNvPr id="14338" name="Symbol zastępczy zawartości 1">
             <a:extLst>
               <a:ext uri="{FF2B5EF4-FFF2-40B4-BE49-F238E27FC236}">
-                <a16:creationId xmlns:a16="http://schemas.microsoft.com/office/drawing/2014/main" id="{AB4B73DB-30F2-CD4A-9308-FB9193FF1919}"/>
-              </a:ext>
-            </a:extLst>
-          </p:cNvPr>
-          <p:cNvSpPr>
-            <a:spLocks noGrp="1" noTextEdit="1"/>
-          </p:cNvSpPr>
-          <p:nvPr>
-            <p:ph type="pic" idx="1"/>
-          </p:nvPr>
-        </p:nvSpPr>
-        <p:spPr>
-          <a:xfrm>
-            <a:off x="755650" y="1844675"/>
-            <a:ext cx="3671888" cy="4968875"/>
-          </a:xfrm>
-        </p:spPr>
-      </p:sp>
-      <p:sp>
-        <p:nvSpPr>
-          <p:cNvPr id="15363" name="Symbol zastępczy zawartości 2">
-            <a:extLst>
-              <a:ext uri="{FF2B5EF4-FFF2-40B4-BE49-F238E27FC236}">
-                <a16:creationId xmlns:a16="http://schemas.microsoft.com/office/drawing/2014/main" id="{65D4FA51-E9D6-A142-B792-EF5CA940EBD4}"/>
+                <a16:creationId xmlns:a16="http://schemas.microsoft.com/office/drawing/2014/main" id="{484EB451-4A34-6543-B91C-7EC8B29A3A0B}"/>
               </a:ext>
             </a:extLst>
           </p:cNvPr>
@@ -7170,29 +7239,144 @@
             <a:spLocks noGrp="1"/>
           </p:cNvSpPr>
           <p:nvPr>
-            <p:ph idx="11"/>
+            <p:ph sz="half" idx="1"/>
           </p:nvPr>
         </p:nvSpPr>
         <p:spPr>
           <a:xfrm>
-            <a:off x="4572000" y="1844675"/>
-            <a:ext cx="4464050" cy="4968875"/>
+            <a:off x="755650" y="1268760"/>
+            <a:ext cx="8262938" cy="5256212"/>
           </a:xfrm>
         </p:spPr>
         <p:txBody>
           <a:bodyPr/>
           <a:lstStyle/>
           <a:p>
-            <a:endParaRPr lang="en-PL" altLang="en-PL"/>
+            <a:pPr marL="0" indent="0">
+              <a:buNone/>
+            </a:pPr>
+            <a:r>
+              <a:rPr lang="pl-PL" altLang="en-PL" dirty="0"/>
+              <a:t>Warystory tlenkowo-cynkowe są podstawowym komponentem ograniczników przepięć.</a:t>
+            </a:r>
+          </a:p>
+          <a:p>
+            <a:pPr marL="0" indent="0">
+              <a:buNone/>
+            </a:pPr>
+            <a:endParaRPr lang="pl-PL" altLang="en-PL" dirty="0"/>
+          </a:p>
+          <a:p>
+            <a:pPr marL="0" indent="0">
+              <a:buNone/>
+            </a:pPr>
+            <a:r>
+              <a:rPr lang="pl-PL" altLang="en-PL" dirty="0"/>
+              <a:t>Dzięki silnie nieliniowej charakterystyce prądowo-napięciowej stanowią drogę przepływu dla udarów prądowych powstałych wskutek przepięć w systemie.</a:t>
+            </a:r>
+          </a:p>
+          <a:p>
+            <a:pPr marL="0" indent="0">
+              <a:buNone/>
+            </a:pPr>
+            <a:endParaRPr lang="pl-PL" altLang="en-PL" dirty="0"/>
+          </a:p>
+          <a:p>
+            <a:pPr marL="0" indent="0">
+              <a:buNone/>
+            </a:pPr>
+            <a:endParaRPr lang="pl-PL" altLang="en-PL" dirty="0"/>
+          </a:p>
+          <a:p>
+            <a:pPr marL="0" indent="0">
+              <a:buNone/>
+            </a:pPr>
+            <a:endParaRPr lang="pl-PL" altLang="en-PL" dirty="0"/>
+          </a:p>
+          <a:p>
+            <a:pPr marL="0" indent="0">
+              <a:buNone/>
+            </a:pPr>
+            <a:endParaRPr lang="pl-PL" altLang="en-PL" dirty="0"/>
+          </a:p>
+          <a:p>
+            <a:pPr marL="0" indent="0">
+              <a:buNone/>
+            </a:pPr>
+            <a:endParaRPr lang="pl-PL" altLang="en-PL" dirty="0"/>
+          </a:p>
+          <a:p>
+            <a:pPr marL="0" indent="0">
+              <a:buNone/>
+            </a:pPr>
+            <a:endParaRPr lang="pl-PL" altLang="en-PL" dirty="0"/>
+          </a:p>
+          <a:p>
+            <a:pPr marL="0" indent="0">
+              <a:buNone/>
+            </a:pPr>
+            <a:endParaRPr lang="pl-PL" altLang="en-PL" dirty="0"/>
+          </a:p>
+          <a:p>
+            <a:pPr marL="0" indent="0">
+              <a:buNone/>
+            </a:pPr>
+            <a:endParaRPr lang="pl-PL" altLang="en-PL" dirty="0"/>
+          </a:p>
+          <a:p>
+            <a:pPr marL="0" indent="0">
+              <a:buNone/>
+            </a:pPr>
+            <a:endParaRPr lang="pl-PL" altLang="en-PL" dirty="0"/>
+          </a:p>
+          <a:p>
+            <a:pPr>
+              <a:buFontTx/>
+              <a:buChar char="-"/>
+            </a:pPr>
+            <a:endParaRPr lang="pl-PL" altLang="en-PL" dirty="0"/>
+          </a:p>
+          <a:p>
+            <a:pPr marL="0" indent="0">
+              <a:buNone/>
+            </a:pPr>
+            <a:endParaRPr lang="pl-PL" altLang="en-PL" dirty="0"/>
+          </a:p>
+          <a:p>
+            <a:pPr>
+              <a:buFontTx/>
+              <a:buChar char="-"/>
+            </a:pPr>
+            <a:endParaRPr lang="pl-PL" altLang="en-PL" dirty="0"/>
+          </a:p>
+          <a:p>
+            <a:pPr>
+              <a:buFontTx/>
+              <a:buChar char="-"/>
+            </a:pPr>
+            <a:endParaRPr lang="pl-PL" altLang="en-PL" dirty="0"/>
+          </a:p>
+          <a:p>
+            <a:pPr marL="0" indent="0">
+              <a:buNone/>
+            </a:pPr>
+            <a:endParaRPr lang="en-PL" altLang="en-PL" dirty="0"/>
+          </a:p>
+          <a:p>
+            <a:pPr>
+              <a:buFontTx/>
+              <a:buChar char="-"/>
+            </a:pPr>
+            <a:endParaRPr lang="en-PL" altLang="en-PL" dirty="0"/>
           </a:p>
         </p:txBody>
       </p:sp>
       <p:sp>
         <p:nvSpPr>
-          <p:cNvPr id="15364" name="Symbol zastępczy tekstu 3">
+          <p:cNvPr id="14340" name="Symbol zastępczy tekstu 3">
             <a:extLst>
               <a:ext uri="{FF2B5EF4-FFF2-40B4-BE49-F238E27FC236}">
-                <a16:creationId xmlns:a16="http://schemas.microsoft.com/office/drawing/2014/main" id="{AAFB33FB-1B13-FB42-AC75-951DF1C10141}"/>
+                <a16:creationId xmlns:a16="http://schemas.microsoft.com/office/drawing/2014/main" id="{9DB6F90B-FF05-A640-BDE1-4B0DEAFAA437}"/>
               </a:ext>
             </a:extLst>
           </p:cNvPr>
@@ -7200,54 +7384,68 @@
             <a:spLocks noGrp="1"/>
           </p:cNvSpPr>
           <p:nvPr>
-            <p:ph type="body" idx="12"/>
+            <p:ph type="body" idx="11"/>
           </p:nvPr>
         </p:nvSpPr>
         <p:spPr>
           <a:xfrm>
-            <a:off x="755650" y="115888"/>
-            <a:ext cx="8262938" cy="865187"/>
+            <a:off x="739713" y="333028"/>
+            <a:ext cx="8285163" cy="863600"/>
           </a:xfrm>
         </p:spPr>
         <p:txBody>
           <a:bodyPr/>
           <a:lstStyle/>
           <a:p>
-            <a:endParaRPr lang="en-PL" altLang="en-PL"/>
+            <a:r>
+              <a:rPr lang="en-PL" sz="4000" dirty="0"/>
+              <a:t>3. Warystory tlenkowo-cynkowe</a:t>
+            </a:r>
           </a:p>
         </p:txBody>
       </p:sp>
-      <p:sp>
-        <p:nvSpPr>
-          <p:cNvPr id="15365" name="Symbol zastępczy tekstu 4">
+      <p:pic>
+        <p:nvPicPr>
+          <p:cNvPr id="3" name="Picture 2" descr="A picture containing indoor, cup, photo, counter&#10;&#10;Description automatically generated">
             <a:extLst>
               <a:ext uri="{FF2B5EF4-FFF2-40B4-BE49-F238E27FC236}">
-                <a16:creationId xmlns:a16="http://schemas.microsoft.com/office/drawing/2014/main" id="{E56B7E2D-D1B4-674A-B0B1-A95D9BF07AF1}"/>
+                <a16:creationId xmlns:a16="http://schemas.microsoft.com/office/drawing/2014/main" id="{E4EADCA8-E4F7-C146-A35D-C26127FE782B}"/>
               </a:ext>
             </a:extLst>
           </p:cNvPr>
-          <p:cNvSpPr>
-            <a:spLocks noGrp="1"/>
-          </p:cNvSpPr>
-          <p:nvPr>
-            <p:ph type="body" idx="10"/>
-          </p:nvPr>
-        </p:nvSpPr>
+          <p:cNvPicPr>
+            <a:picLocks noChangeAspect="1"/>
+          </p:cNvPicPr>
+          <p:nvPr/>
+        </p:nvPicPr>
+        <p:blipFill>
+          <a:blip r:embed="rId2">
+            <a:extLst>
+              <a:ext uri="{28A0092B-C50C-407E-A947-70E740481C1C}">
+                <a14:useLocalDpi xmlns:a14="http://schemas.microsoft.com/office/drawing/2010/main" val="0"/>
+              </a:ext>
+            </a:extLst>
+          </a:blip>
+          <a:stretch>
+            <a:fillRect/>
+          </a:stretch>
+        </p:blipFill>
         <p:spPr>
           <a:xfrm>
-            <a:off x="755650" y="1120775"/>
-            <a:ext cx="8280400" cy="508000"/>
+            <a:off x="2699792" y="4221088"/>
+            <a:ext cx="3995936" cy="2244828"/>
           </a:xfrm>
+          <a:prstGeom prst="rect">
+            <a:avLst/>
+          </a:prstGeom>
         </p:spPr>
-        <p:txBody>
-          <a:bodyPr/>
-          <a:lstStyle/>
-          <a:p>
-            <a:endParaRPr lang="en-PL" altLang="en-PL"/>
-          </a:p>
-        </p:txBody>
-      </p:sp>
+      </p:pic>
     </p:spTree>
+    <p:extLst>
+      <p:ext uri="{BB962C8B-B14F-4D97-AF65-F5344CB8AC3E}">
+        <p14:creationId xmlns:p14="http://schemas.microsoft.com/office/powerpoint/2010/main" val="3324326570"/>
+      </p:ext>
+    </p:extLst>
   </p:cSld>
   <p:clrMapOvr>
     <a:masterClrMapping/>
@@ -7277,10 +7475,10 @@
       </p:grpSpPr>
       <p:sp>
         <p:nvSpPr>
-          <p:cNvPr id="16386" name="Symbol zastępczy zawartości 1">
+          <p:cNvPr id="14338" name="Symbol zastępczy zawartości 1">
             <a:extLst>
               <a:ext uri="{FF2B5EF4-FFF2-40B4-BE49-F238E27FC236}">
-                <a16:creationId xmlns:a16="http://schemas.microsoft.com/office/drawing/2014/main" id="{20EF55A4-8CAF-D544-ACB4-D9C5334A73C2}"/>
+                <a16:creationId xmlns:a16="http://schemas.microsoft.com/office/drawing/2014/main" id="{484EB451-4A34-6543-B91C-7EC8B29A3A0B}"/>
               </a:ext>
             </a:extLst>
           </p:cNvPr>
@@ -7293,24 +7491,172 @@
         </p:nvSpPr>
         <p:spPr>
           <a:xfrm>
-            <a:off x="755650" y="1628775"/>
-            <a:ext cx="4032250" cy="5113338"/>
+            <a:off x="755650" y="1268760"/>
+            <a:ext cx="8262938" cy="5256212"/>
           </a:xfrm>
         </p:spPr>
         <p:txBody>
           <a:bodyPr/>
           <a:lstStyle/>
           <a:p>
-            <a:endParaRPr lang="en-PL" altLang="en-PL"/>
+            <a:pPr marL="0" indent="0">
+              <a:buNone/>
+            </a:pPr>
+            <a:r>
+              <a:rPr lang="pl-PL" altLang="en-PL" dirty="0"/>
+              <a:t>Czynniki powodujące niszczenie struktury wewnętrznej warystorów:</a:t>
+            </a:r>
+          </a:p>
+          <a:p>
+            <a:pPr>
+              <a:buFontTx/>
+              <a:buChar char="-"/>
+            </a:pPr>
+            <a:r>
+              <a:rPr lang="pl-PL" altLang="en-PL" dirty="0"/>
+              <a:t>wysoka temperatura,</a:t>
+            </a:r>
+          </a:p>
+          <a:p>
+            <a:pPr>
+              <a:buFontTx/>
+              <a:buChar char="-"/>
+            </a:pPr>
+            <a:r>
+              <a:rPr lang="pl-PL" altLang="en-PL" dirty="0"/>
+              <a:t>podwyższone napięcie pracy,</a:t>
+            </a:r>
+          </a:p>
+          <a:p>
+            <a:pPr>
+              <a:buFontTx/>
+              <a:buChar char="-"/>
+            </a:pPr>
+            <a:r>
+              <a:rPr lang="pl-PL" altLang="en-PL" dirty="0"/>
+              <a:t>wysoka wilgotność pracy,</a:t>
+            </a:r>
+          </a:p>
+          <a:p>
+            <a:pPr>
+              <a:buFontTx/>
+              <a:buChar char="-"/>
+            </a:pPr>
+            <a:r>
+              <a:rPr lang="pl-PL" altLang="en-PL" dirty="0"/>
+              <a:t>piki przepięciowe</a:t>
+            </a:r>
+          </a:p>
+          <a:p>
+            <a:pPr>
+              <a:buFontTx/>
+              <a:buChar char="-"/>
+            </a:pPr>
+            <a:endParaRPr lang="pl-PL" altLang="en-PL" dirty="0"/>
+          </a:p>
+          <a:p>
+            <a:pPr>
+              <a:buFontTx/>
+              <a:buChar char="-"/>
+            </a:pPr>
+            <a:endParaRPr lang="pl-PL" altLang="en-PL" dirty="0"/>
+          </a:p>
+          <a:p>
+            <a:pPr marL="0" indent="0">
+              <a:buNone/>
+            </a:pPr>
+            <a:endParaRPr lang="pl-PL" altLang="en-PL" dirty="0"/>
+          </a:p>
+          <a:p>
+            <a:pPr marL="0" indent="0">
+              <a:buNone/>
+            </a:pPr>
+            <a:endParaRPr lang="pl-PL" altLang="en-PL" dirty="0"/>
+          </a:p>
+          <a:p>
+            <a:pPr marL="0" indent="0">
+              <a:buNone/>
+            </a:pPr>
+            <a:endParaRPr lang="pl-PL" altLang="en-PL" dirty="0"/>
+          </a:p>
+          <a:p>
+            <a:pPr marL="0" indent="0">
+              <a:buNone/>
+            </a:pPr>
+            <a:endParaRPr lang="pl-PL" altLang="en-PL" dirty="0"/>
+          </a:p>
+          <a:p>
+            <a:pPr marL="0" indent="0">
+              <a:buNone/>
+            </a:pPr>
+            <a:endParaRPr lang="pl-PL" altLang="en-PL" dirty="0"/>
+          </a:p>
+          <a:p>
+            <a:pPr marL="0" indent="0">
+              <a:buNone/>
+            </a:pPr>
+            <a:endParaRPr lang="pl-PL" altLang="en-PL" dirty="0"/>
+          </a:p>
+          <a:p>
+            <a:pPr marL="0" indent="0">
+              <a:buNone/>
+            </a:pPr>
+            <a:endParaRPr lang="pl-PL" altLang="en-PL" dirty="0"/>
+          </a:p>
+          <a:p>
+            <a:pPr marL="0" indent="0">
+              <a:buNone/>
+            </a:pPr>
+            <a:endParaRPr lang="pl-PL" altLang="en-PL" dirty="0"/>
+          </a:p>
+          <a:p>
+            <a:pPr>
+              <a:buFontTx/>
+              <a:buChar char="-"/>
+            </a:pPr>
+            <a:endParaRPr lang="pl-PL" altLang="en-PL" dirty="0"/>
+          </a:p>
+          <a:p>
+            <a:pPr marL="0" indent="0">
+              <a:buNone/>
+            </a:pPr>
+            <a:endParaRPr lang="pl-PL" altLang="en-PL" dirty="0"/>
+          </a:p>
+          <a:p>
+            <a:pPr>
+              <a:buFontTx/>
+              <a:buChar char="-"/>
+            </a:pPr>
+            <a:endParaRPr lang="pl-PL" altLang="en-PL" dirty="0"/>
+          </a:p>
+          <a:p>
+            <a:pPr>
+              <a:buFontTx/>
+              <a:buChar char="-"/>
+            </a:pPr>
+            <a:endParaRPr lang="pl-PL" altLang="en-PL" dirty="0"/>
+          </a:p>
+          <a:p>
+            <a:pPr marL="0" indent="0">
+              <a:buNone/>
+            </a:pPr>
+            <a:endParaRPr lang="en-PL" altLang="en-PL" dirty="0"/>
+          </a:p>
+          <a:p>
+            <a:pPr>
+              <a:buFontTx/>
+              <a:buChar char="-"/>
+            </a:pPr>
+            <a:endParaRPr lang="en-PL" altLang="en-PL" dirty="0"/>
           </a:p>
         </p:txBody>
       </p:sp>
       <p:sp>
         <p:nvSpPr>
-          <p:cNvPr id="16387" name="Symbol zastępczy zawartości 2">
+          <p:cNvPr id="14340" name="Symbol zastępczy tekstu 3">
             <a:extLst>
               <a:ext uri="{FF2B5EF4-FFF2-40B4-BE49-F238E27FC236}">
-                <a16:creationId xmlns:a16="http://schemas.microsoft.com/office/drawing/2014/main" id="{0BE06B5C-3A55-7945-BDEC-EB7741E68228}"/>
+                <a16:creationId xmlns:a16="http://schemas.microsoft.com/office/drawing/2014/main" id="{9DB6F90B-FF05-A640-BDE1-4B0DEAFAA437}"/>
               </a:ext>
             </a:extLst>
           </p:cNvPr>
@@ -7318,72 +7664,12 @@
             <a:spLocks noGrp="1"/>
           </p:cNvSpPr>
           <p:nvPr>
-            <p:ph sz="half" idx="11"/>
+            <p:ph type="body" idx="11"/>
           </p:nvPr>
         </p:nvSpPr>
         <p:spPr>
           <a:xfrm>
-            <a:off x="4932363" y="1628775"/>
-            <a:ext cx="4108450" cy="5113338"/>
-          </a:xfrm>
-        </p:spPr>
-        <p:txBody>
-          <a:bodyPr/>
-          <a:lstStyle/>
-          <a:p>
-            <a:endParaRPr lang="en-PL" altLang="en-PL"/>
-          </a:p>
-        </p:txBody>
-      </p:sp>
-      <p:sp>
-        <p:nvSpPr>
-          <p:cNvPr id="16388" name="Symbol zastępczy tekstu 3">
-            <a:extLst>
-              <a:ext uri="{FF2B5EF4-FFF2-40B4-BE49-F238E27FC236}">
-                <a16:creationId xmlns:a16="http://schemas.microsoft.com/office/drawing/2014/main" id="{805864B8-04D9-E942-94BD-31A23BCE44F4}"/>
-              </a:ext>
-            </a:extLst>
-          </p:cNvPr>
-          <p:cNvSpPr>
-            <a:spLocks noGrp="1"/>
-          </p:cNvSpPr>
-          <p:nvPr>
-            <p:ph type="body" idx="10"/>
-          </p:nvPr>
-        </p:nvSpPr>
-        <p:spPr>
-          <a:xfrm>
-            <a:off x="755650" y="44450"/>
-            <a:ext cx="8285163" cy="504825"/>
-          </a:xfrm>
-        </p:spPr>
-        <p:txBody>
-          <a:bodyPr/>
-          <a:lstStyle/>
-          <a:p>
-            <a:endParaRPr lang="en-PL" altLang="en-PL"/>
-          </a:p>
-        </p:txBody>
-      </p:sp>
-      <p:sp>
-        <p:nvSpPr>
-          <p:cNvPr id="16389" name="Symbol zastępczy tekstu 4">
-            <a:extLst>
-              <a:ext uri="{FF2B5EF4-FFF2-40B4-BE49-F238E27FC236}">
-                <a16:creationId xmlns:a16="http://schemas.microsoft.com/office/drawing/2014/main" id="{DADE823D-A164-C342-A2F0-DF52134D2F9A}"/>
-              </a:ext>
-            </a:extLst>
-          </p:cNvPr>
-          <p:cNvSpPr>
-            <a:spLocks noGrp="1"/>
-          </p:cNvSpPr>
-          <p:nvPr>
-            <p:ph type="body" idx="12"/>
-          </p:nvPr>
-        </p:nvSpPr>
-        <p:spPr>
-          <a:xfrm>
-            <a:off x="755650" y="549275"/>
+            <a:off x="739713" y="333028"/>
             <a:ext cx="8285163" cy="863600"/>
           </a:xfrm>
         </p:spPr>
@@ -7391,11 +7677,55 @@
           <a:bodyPr/>
           <a:lstStyle/>
           <a:p>
-            <a:endParaRPr lang="en-PL" altLang="en-PL"/>
+            <a:r>
+              <a:rPr lang="en-PL" sz="3200" dirty="0"/>
+              <a:t>Degradacja warystorów</a:t>
+            </a:r>
           </a:p>
         </p:txBody>
       </p:sp>
+      <p:pic>
+        <p:nvPicPr>
+          <p:cNvPr id="4" name="Picture 3" descr="A picture containing ware, lamp&#10;&#10;Description automatically generated">
+            <a:extLst>
+              <a:ext uri="{FF2B5EF4-FFF2-40B4-BE49-F238E27FC236}">
+                <a16:creationId xmlns:a16="http://schemas.microsoft.com/office/drawing/2014/main" id="{A773EC64-E752-2E45-B3B1-3DD918A80195}"/>
+              </a:ext>
+            </a:extLst>
+          </p:cNvPr>
+          <p:cNvPicPr>
+            <a:picLocks noChangeAspect="1"/>
+          </p:cNvPicPr>
+          <p:nvPr/>
+        </p:nvPicPr>
+        <p:blipFill>
+          <a:blip r:embed="rId2">
+            <a:extLst>
+              <a:ext uri="{28A0092B-C50C-407E-A947-70E740481C1C}">
+                <a14:useLocalDpi xmlns:a14="http://schemas.microsoft.com/office/drawing/2010/main" val="0"/>
+              </a:ext>
+            </a:extLst>
+          </a:blip>
+          <a:stretch>
+            <a:fillRect/>
+          </a:stretch>
+        </p:blipFill>
+        <p:spPr>
+          <a:xfrm>
+            <a:off x="5930027" y="2852936"/>
+            <a:ext cx="2463800" cy="3302000"/>
+          </a:xfrm>
+          <a:prstGeom prst="rect">
+            <a:avLst/>
+          </a:prstGeom>
+        </p:spPr>
+      </p:pic>
     </p:spTree>
+    <p:extLst>
+      <p:ext uri="{BB962C8B-B14F-4D97-AF65-F5344CB8AC3E}">
+        <p14:creationId xmlns:p14="http://schemas.microsoft.com/office/powerpoint/2010/main" val="194553908"/>
+      </p:ext>
+    </p:extLst>
   </p:cSld>
   <p:clrMapOvr>
     <a:masterClrMapping/>
@@ -7425,10 +7755,10 @@
       </p:grpSpPr>
       <p:sp>
         <p:nvSpPr>
-          <p:cNvPr id="17410" name="Symbol zastępczy zawartości 1">
+          <p:cNvPr id="14338" name="Symbol zastępczy zawartości 1">
             <a:extLst>
               <a:ext uri="{FF2B5EF4-FFF2-40B4-BE49-F238E27FC236}">
-                <a16:creationId xmlns:a16="http://schemas.microsoft.com/office/drawing/2014/main" id="{3D427E64-09A9-E64E-A3D7-F22927D5AE9E}"/>
+                <a16:creationId xmlns:a16="http://schemas.microsoft.com/office/drawing/2014/main" id="{484EB451-4A34-6543-B91C-7EC8B29A3A0B}"/>
               </a:ext>
             </a:extLst>
           </p:cNvPr>
@@ -7441,24 +7771,144 @@
         </p:nvSpPr>
         <p:spPr>
           <a:xfrm>
-            <a:off x="755650" y="1628775"/>
-            <a:ext cx="4049713" cy="5184775"/>
+            <a:off x="755650" y="1268760"/>
+            <a:ext cx="8262938" cy="5256212"/>
           </a:xfrm>
         </p:spPr>
         <p:txBody>
           <a:bodyPr/>
           <a:lstStyle/>
           <a:p>
-            <a:endParaRPr lang="en-PL" altLang="en-PL"/>
+            <a:pPr marL="0" indent="0">
+              <a:buNone/>
+            </a:pPr>
+            <a:r>
+              <a:rPr lang="pl-PL" altLang="en-PL" b="1" u="sng" dirty="0"/>
+              <a:t>Sieci neuronowe </a:t>
+            </a:r>
+            <a:r>
+              <a:rPr lang="pl-PL" altLang="en-PL" dirty="0"/>
+              <a:t>- </a:t>
+            </a:r>
+            <a:r>
+              <a:rPr lang="pl-PL" dirty="0"/>
+              <a:t>wyrafinowana technika modelowania, zdolna do odwzorowywania nawet nadzwyczaj złożonych i nieliniowych funkcji.</a:t>
+            </a:r>
+          </a:p>
+          <a:p>
+            <a:pPr marL="0" indent="0">
+              <a:buNone/>
+            </a:pPr>
+            <a:endParaRPr lang="pl-PL" dirty="0"/>
+          </a:p>
+          <a:p>
+            <a:pPr marL="0" indent="0">
+              <a:buNone/>
+            </a:pPr>
+            <a:endParaRPr lang="pl-PL" dirty="0"/>
+          </a:p>
+          <a:p>
+            <a:pPr marL="0" indent="0">
+              <a:buNone/>
+            </a:pPr>
+            <a:endParaRPr lang="pl-PL" altLang="en-PL" dirty="0"/>
+          </a:p>
+          <a:p>
+            <a:pPr marL="0" indent="0">
+              <a:buNone/>
+            </a:pPr>
+            <a:endParaRPr lang="pl-PL" altLang="en-PL" dirty="0"/>
+          </a:p>
+          <a:p>
+            <a:pPr marL="0" indent="0">
+              <a:buNone/>
+            </a:pPr>
+            <a:endParaRPr lang="pl-PL" altLang="en-PL" dirty="0"/>
+          </a:p>
+          <a:p>
+            <a:pPr marL="0" indent="0">
+              <a:buNone/>
+            </a:pPr>
+            <a:endParaRPr lang="pl-PL" altLang="en-PL" dirty="0"/>
+          </a:p>
+          <a:p>
+            <a:pPr marL="0" indent="0">
+              <a:buNone/>
+            </a:pPr>
+            <a:endParaRPr lang="pl-PL" altLang="en-PL" dirty="0"/>
+          </a:p>
+          <a:p>
+            <a:pPr marL="0" indent="0">
+              <a:buNone/>
+            </a:pPr>
+            <a:endParaRPr lang="pl-PL" altLang="en-PL" dirty="0"/>
+          </a:p>
+          <a:p>
+            <a:pPr marL="0" indent="0">
+              <a:buNone/>
+            </a:pPr>
+            <a:endParaRPr lang="pl-PL" altLang="en-PL" dirty="0"/>
+          </a:p>
+          <a:p>
+            <a:pPr marL="0" indent="0">
+              <a:buNone/>
+            </a:pPr>
+            <a:endParaRPr lang="pl-PL" altLang="en-PL" dirty="0"/>
+          </a:p>
+          <a:p>
+            <a:pPr marL="0" indent="0">
+              <a:buNone/>
+            </a:pPr>
+            <a:endParaRPr lang="pl-PL" altLang="en-PL" dirty="0"/>
+          </a:p>
+          <a:p>
+            <a:pPr>
+              <a:buFontTx/>
+              <a:buChar char="-"/>
+            </a:pPr>
+            <a:endParaRPr lang="pl-PL" altLang="en-PL" dirty="0"/>
+          </a:p>
+          <a:p>
+            <a:pPr marL="0" indent="0">
+              <a:buNone/>
+            </a:pPr>
+            <a:endParaRPr lang="pl-PL" altLang="en-PL" dirty="0"/>
+          </a:p>
+          <a:p>
+            <a:pPr>
+              <a:buFontTx/>
+              <a:buChar char="-"/>
+            </a:pPr>
+            <a:endParaRPr lang="pl-PL" altLang="en-PL" dirty="0"/>
+          </a:p>
+          <a:p>
+            <a:pPr>
+              <a:buFontTx/>
+              <a:buChar char="-"/>
+            </a:pPr>
+            <a:endParaRPr lang="pl-PL" altLang="en-PL" dirty="0"/>
+          </a:p>
+          <a:p>
+            <a:pPr marL="0" indent="0">
+              <a:buNone/>
+            </a:pPr>
+            <a:endParaRPr lang="en-PL" altLang="en-PL" dirty="0"/>
+          </a:p>
+          <a:p>
+            <a:pPr>
+              <a:buFontTx/>
+              <a:buChar char="-"/>
+            </a:pPr>
+            <a:endParaRPr lang="en-PL" altLang="en-PL" dirty="0"/>
           </a:p>
         </p:txBody>
       </p:sp>
       <p:sp>
         <p:nvSpPr>
-          <p:cNvPr id="17411" name="Symbol zastępczy zawartości 2">
+          <p:cNvPr id="14340" name="Symbol zastępczy tekstu 3">
             <a:extLst>
               <a:ext uri="{FF2B5EF4-FFF2-40B4-BE49-F238E27FC236}">
-                <a16:creationId xmlns:a16="http://schemas.microsoft.com/office/drawing/2014/main" id="{4A5184D8-AB8C-7445-B33E-AF9D97CAEE6D}"/>
+                <a16:creationId xmlns:a16="http://schemas.microsoft.com/office/drawing/2014/main" id="{9DB6F90B-FF05-A640-BDE1-4B0DEAFAA437}"/>
               </a:ext>
             </a:extLst>
           </p:cNvPr>
@@ -7466,114 +7916,68 @@
             <a:spLocks noGrp="1"/>
           </p:cNvSpPr>
           <p:nvPr>
-            <p:ph sz="half" idx="11"/>
+            <p:ph type="body" idx="11"/>
           </p:nvPr>
         </p:nvSpPr>
         <p:spPr>
           <a:xfrm>
-            <a:off x="5003800" y="1628775"/>
-            <a:ext cx="4051300" cy="5184775"/>
+            <a:off x="739713" y="333028"/>
+            <a:ext cx="8285163" cy="863600"/>
           </a:xfrm>
         </p:spPr>
         <p:txBody>
           <a:bodyPr/>
           <a:lstStyle/>
           <a:p>
-            <a:endParaRPr lang="en-PL" altLang="en-PL"/>
+            <a:r>
+              <a:rPr lang="en-PL" sz="4000" dirty="0"/>
+              <a:t>4. Sztuczne sieci neuronowe</a:t>
+            </a:r>
           </a:p>
         </p:txBody>
       </p:sp>
-      <p:sp>
-        <p:nvSpPr>
-          <p:cNvPr id="17412" name="Symbol zastępczy tekstu 3">
+      <p:pic>
+        <p:nvPicPr>
+          <p:cNvPr id="4" name="Picture 3" descr="A circuit board&#10;&#10;Description automatically generated">
             <a:extLst>
               <a:ext uri="{FF2B5EF4-FFF2-40B4-BE49-F238E27FC236}">
-                <a16:creationId xmlns:a16="http://schemas.microsoft.com/office/drawing/2014/main" id="{7BF70E79-004E-5049-9804-E5CA48A4C8ED}"/>
+                <a16:creationId xmlns:a16="http://schemas.microsoft.com/office/drawing/2014/main" id="{0F766359-A7E3-DA48-BE41-2B5209F276D2}"/>
               </a:ext>
             </a:extLst>
           </p:cNvPr>
-          <p:cNvSpPr>
-            <a:spLocks noGrp="1"/>
-          </p:cNvSpPr>
-          <p:nvPr>
-            <p:ph type="body" idx="12"/>
-          </p:nvPr>
-        </p:nvSpPr>
+          <p:cNvPicPr>
+            <a:picLocks noChangeAspect="1"/>
+          </p:cNvPicPr>
+          <p:nvPr/>
+        </p:nvPicPr>
+        <p:blipFill>
+          <a:blip r:embed="rId2">
+            <a:extLst>
+              <a:ext uri="{28A0092B-C50C-407E-A947-70E740481C1C}">
+                <a14:useLocalDpi xmlns:a14="http://schemas.microsoft.com/office/drawing/2010/main" val="0"/>
+              </a:ext>
+            </a:extLst>
+          </a:blip>
+          <a:stretch>
+            <a:fillRect/>
+          </a:stretch>
+        </p:blipFill>
         <p:spPr>
           <a:xfrm>
-            <a:off x="755650" y="115888"/>
-            <a:ext cx="8262938" cy="865187"/>
+            <a:off x="2123728" y="2924944"/>
+            <a:ext cx="5184289" cy="3454032"/>
           </a:xfrm>
+          <a:prstGeom prst="rect">
+            <a:avLst/>
+          </a:prstGeom>
         </p:spPr>
-        <p:txBody>
-          <a:bodyPr/>
-          <a:lstStyle/>
-          <a:p>
-            <a:endParaRPr lang="en-PL" altLang="en-PL"/>
-          </a:p>
-        </p:txBody>
-      </p:sp>
-      <p:sp>
-        <p:nvSpPr>
-          <p:cNvPr id="17413" name="Symbol zastępczy tekstu 4">
-            <a:extLst>
-              <a:ext uri="{FF2B5EF4-FFF2-40B4-BE49-F238E27FC236}">
-                <a16:creationId xmlns:a16="http://schemas.microsoft.com/office/drawing/2014/main" id="{909109AB-05DC-234D-A831-3F8E9B226B29}"/>
-              </a:ext>
-            </a:extLst>
-          </p:cNvPr>
-          <p:cNvSpPr>
-            <a:spLocks noGrp="1"/>
-          </p:cNvSpPr>
-          <p:nvPr>
-            <p:ph type="body" idx="10"/>
-          </p:nvPr>
-        </p:nvSpPr>
-        <p:spPr>
-          <a:xfrm>
-            <a:off x="755650" y="1120775"/>
-            <a:ext cx="4049713" cy="508000"/>
-          </a:xfrm>
-        </p:spPr>
-        <p:txBody>
-          <a:bodyPr/>
-          <a:lstStyle/>
-          <a:p>
-            <a:endParaRPr lang="en-PL" altLang="en-PL"/>
-          </a:p>
-        </p:txBody>
-      </p:sp>
-      <p:sp>
-        <p:nvSpPr>
-          <p:cNvPr id="17414" name="Symbol zastępczy tekstu 5">
-            <a:extLst>
-              <a:ext uri="{FF2B5EF4-FFF2-40B4-BE49-F238E27FC236}">
-                <a16:creationId xmlns:a16="http://schemas.microsoft.com/office/drawing/2014/main" id="{9841D058-1904-FD49-B13C-E23B9A7057B2}"/>
-              </a:ext>
-            </a:extLst>
-          </p:cNvPr>
-          <p:cNvSpPr>
-            <a:spLocks noGrp="1"/>
-          </p:cNvSpPr>
-          <p:nvPr>
-            <p:ph type="body" idx="13"/>
-          </p:nvPr>
-        </p:nvSpPr>
-        <p:spPr>
-          <a:xfrm>
-            <a:off x="5003800" y="1120775"/>
-            <a:ext cx="4051300" cy="508000"/>
-          </a:xfrm>
-        </p:spPr>
-        <p:txBody>
-          <a:bodyPr/>
-          <a:lstStyle/>
-          <a:p>
-            <a:endParaRPr lang="en-PL" altLang="en-PL"/>
-          </a:p>
-        </p:txBody>
-      </p:sp>
+      </p:pic>
     </p:spTree>
+    <p:extLst>
+      <p:ext uri="{BB962C8B-B14F-4D97-AF65-F5344CB8AC3E}">
+        <p14:creationId xmlns:p14="http://schemas.microsoft.com/office/powerpoint/2010/main" val="953412416"/>
+      </p:ext>
+    </p:extLst>
   </p:cSld>
   <p:clrMapOvr>
     <a:masterClrMapping/>
@@ -7603,10 +8007,10 @@
       </p:grpSpPr>
       <p:sp>
         <p:nvSpPr>
-          <p:cNvPr id="18434" name="Tytuł 1">
+          <p:cNvPr id="14338" name="Symbol zastępczy zawartości 1">
             <a:extLst>
               <a:ext uri="{FF2B5EF4-FFF2-40B4-BE49-F238E27FC236}">
-                <a16:creationId xmlns:a16="http://schemas.microsoft.com/office/drawing/2014/main" id="{1EA81512-A941-E14A-9335-41C733A0F69D}"/>
+                <a16:creationId xmlns:a16="http://schemas.microsoft.com/office/drawing/2014/main" id="{484EB451-4A34-6543-B91C-7EC8B29A3A0B}"/>
               </a:ext>
             </a:extLst>
           </p:cNvPr>
@@ -7614,29 +8018,132 @@
             <a:spLocks noGrp="1"/>
           </p:cNvSpPr>
           <p:nvPr>
-            <p:ph type="title"/>
+            <p:ph sz="half" idx="1"/>
           </p:nvPr>
         </p:nvSpPr>
         <p:spPr>
           <a:xfrm>
-            <a:off x="684213" y="115888"/>
-            <a:ext cx="3311525" cy="1319212"/>
+            <a:off x="755650" y="1268760"/>
+            <a:ext cx="8262938" cy="5256212"/>
           </a:xfrm>
         </p:spPr>
         <p:txBody>
           <a:bodyPr/>
           <a:lstStyle/>
           <a:p>
-            <a:endParaRPr lang="en-PL" altLang="en-PL"/>
+            <a:pPr marL="0" indent="0">
+              <a:buNone/>
+            </a:pPr>
+            <a:endParaRPr lang="pl-PL" dirty="0"/>
+          </a:p>
+          <a:p>
+            <a:pPr marL="0" indent="0">
+              <a:buNone/>
+            </a:pPr>
+            <a:endParaRPr lang="pl-PL" dirty="0"/>
+          </a:p>
+          <a:p>
+            <a:pPr marL="0" indent="0">
+              <a:buNone/>
+            </a:pPr>
+            <a:endParaRPr lang="pl-PL" altLang="en-PL" dirty="0"/>
+          </a:p>
+          <a:p>
+            <a:pPr marL="0" indent="0">
+              <a:buNone/>
+            </a:pPr>
+            <a:endParaRPr lang="pl-PL" altLang="en-PL" dirty="0"/>
+          </a:p>
+          <a:p>
+            <a:pPr marL="0" indent="0">
+              <a:buNone/>
+            </a:pPr>
+            <a:endParaRPr lang="pl-PL" altLang="en-PL" dirty="0"/>
+          </a:p>
+          <a:p>
+            <a:pPr marL="0" indent="0">
+              <a:buNone/>
+            </a:pPr>
+            <a:endParaRPr lang="pl-PL" altLang="en-PL" dirty="0"/>
+          </a:p>
+          <a:p>
+            <a:pPr marL="0" indent="0">
+              <a:buNone/>
+            </a:pPr>
+            <a:endParaRPr lang="pl-PL" altLang="en-PL" dirty="0"/>
+          </a:p>
+          <a:p>
+            <a:pPr marL="0" indent="0">
+              <a:buNone/>
+            </a:pPr>
+            <a:endParaRPr lang="pl-PL" altLang="en-PL" dirty="0"/>
+          </a:p>
+          <a:p>
+            <a:pPr marL="0" indent="0">
+              <a:buNone/>
+            </a:pPr>
+            <a:endParaRPr lang="pl-PL" altLang="en-PL" dirty="0"/>
+          </a:p>
+          <a:p>
+            <a:pPr marL="0" indent="0">
+              <a:buNone/>
+            </a:pPr>
+            <a:endParaRPr lang="pl-PL" altLang="en-PL" dirty="0"/>
+          </a:p>
+          <a:p>
+            <a:pPr marL="0" indent="0">
+              <a:buNone/>
+            </a:pPr>
+            <a:endParaRPr lang="pl-PL" altLang="en-PL" dirty="0"/>
+          </a:p>
+          <a:p>
+            <a:pPr>
+              <a:buFontTx/>
+              <a:buChar char="-"/>
+            </a:pPr>
+            <a:endParaRPr lang="pl-PL" altLang="en-PL" dirty="0"/>
+          </a:p>
+          <a:p>
+            <a:pPr marL="0" indent="0">
+              <a:buNone/>
+            </a:pPr>
+            <a:endParaRPr lang="pl-PL" altLang="en-PL" dirty="0"/>
+          </a:p>
+          <a:p>
+            <a:pPr>
+              <a:buFontTx/>
+              <a:buChar char="-"/>
+            </a:pPr>
+            <a:endParaRPr lang="pl-PL" altLang="en-PL" dirty="0"/>
+          </a:p>
+          <a:p>
+            <a:pPr>
+              <a:buFontTx/>
+              <a:buChar char="-"/>
+            </a:pPr>
+            <a:endParaRPr lang="pl-PL" altLang="en-PL" dirty="0"/>
+          </a:p>
+          <a:p>
+            <a:pPr marL="0" indent="0">
+              <a:buNone/>
+            </a:pPr>
+            <a:endParaRPr lang="en-PL" altLang="en-PL" dirty="0"/>
+          </a:p>
+          <a:p>
+            <a:pPr>
+              <a:buFontTx/>
+              <a:buChar char="-"/>
+            </a:pPr>
+            <a:endParaRPr lang="en-PL" altLang="en-PL" dirty="0"/>
           </a:p>
         </p:txBody>
       </p:sp>
       <p:sp>
         <p:nvSpPr>
-          <p:cNvPr id="18435" name="Symbol zastępczy zawartości 2">
+          <p:cNvPr id="14340" name="Symbol zastępczy tekstu 3">
             <a:extLst>
               <a:ext uri="{FF2B5EF4-FFF2-40B4-BE49-F238E27FC236}">
-                <a16:creationId xmlns:a16="http://schemas.microsoft.com/office/drawing/2014/main" id="{1AAC3248-50F4-B54A-82E9-E56541DEDD19}"/>
+                <a16:creationId xmlns:a16="http://schemas.microsoft.com/office/drawing/2014/main" id="{9DB6F90B-FF05-A640-BDE1-4B0DEAFAA437}"/>
               </a:ext>
             </a:extLst>
           </p:cNvPr>
@@ -7644,54 +8151,68 @@
             <a:spLocks noGrp="1"/>
           </p:cNvSpPr>
           <p:nvPr>
-            <p:ph idx="1"/>
+            <p:ph type="body" idx="11"/>
           </p:nvPr>
         </p:nvSpPr>
         <p:spPr>
           <a:xfrm>
-            <a:off x="4140200" y="115888"/>
-            <a:ext cx="4895850" cy="6626225"/>
+            <a:off x="739713" y="333028"/>
+            <a:ext cx="8285163" cy="863600"/>
           </a:xfrm>
         </p:spPr>
         <p:txBody>
           <a:bodyPr/>
           <a:lstStyle/>
           <a:p>
-            <a:endParaRPr lang="en-PL" altLang="en-PL"/>
+            <a:r>
+              <a:rPr lang="en-PL" sz="3200" dirty="0"/>
+              <a:t>Sieci rekurencyjne</a:t>
+            </a:r>
           </a:p>
         </p:txBody>
       </p:sp>
-      <p:sp>
-        <p:nvSpPr>
-          <p:cNvPr id="18436" name="Symbol zastępczy tekstu 3">
+      <p:pic>
+        <p:nvPicPr>
+          <p:cNvPr id="3" name="Picture 2" descr="A picture containing clock&#10;&#10;Description automatically generated">
             <a:extLst>
               <a:ext uri="{FF2B5EF4-FFF2-40B4-BE49-F238E27FC236}">
-                <a16:creationId xmlns:a16="http://schemas.microsoft.com/office/drawing/2014/main" id="{023B9E64-E540-A04F-9EE1-3EC5D4F2B9CF}"/>
+                <a16:creationId xmlns:a16="http://schemas.microsoft.com/office/drawing/2014/main" id="{F6B627E5-3DB0-974A-9566-E2B3C560D441}"/>
               </a:ext>
             </a:extLst>
           </p:cNvPr>
-          <p:cNvSpPr>
-            <a:spLocks noGrp="1"/>
-          </p:cNvSpPr>
-          <p:nvPr>
-            <p:ph type="body" sz="half" idx="2"/>
-          </p:nvPr>
-        </p:nvSpPr>
+          <p:cNvPicPr>
+            <a:picLocks noChangeAspect="1"/>
+          </p:cNvPicPr>
+          <p:nvPr/>
+        </p:nvPicPr>
+        <p:blipFill>
+          <a:blip r:embed="rId2">
+            <a:extLst>
+              <a:ext uri="{28A0092B-C50C-407E-A947-70E740481C1C}">
+                <a14:useLocalDpi xmlns:a14="http://schemas.microsoft.com/office/drawing/2010/main" val="0"/>
+              </a:ext>
+            </a:extLst>
+          </a:blip>
+          <a:stretch>
+            <a:fillRect/>
+          </a:stretch>
+        </p:blipFill>
         <p:spPr>
           <a:xfrm>
-            <a:off x="684213" y="1435100"/>
-            <a:ext cx="3311525" cy="5307013"/>
+            <a:off x="1811511" y="2060848"/>
+            <a:ext cx="6141566" cy="3205507"/>
           </a:xfrm>
+          <a:prstGeom prst="rect">
+            <a:avLst/>
+          </a:prstGeom>
         </p:spPr>
-        <p:txBody>
-          <a:bodyPr/>
-          <a:lstStyle/>
-          <a:p>
-            <a:endParaRPr lang="en-PL" altLang="en-PL"/>
-          </a:p>
-        </p:txBody>
-      </p:sp>
+      </p:pic>
     </p:spTree>
+    <p:extLst>
+      <p:ext uri="{BB962C8B-B14F-4D97-AF65-F5344CB8AC3E}">
+        <p14:creationId xmlns:p14="http://schemas.microsoft.com/office/powerpoint/2010/main" val="1744029893"/>
+      </p:ext>
+    </p:extLst>
   </p:cSld>
   <p:clrMapOvr>
     <a:masterClrMapping/>
@@ -7721,10 +8242,10 @@
       </p:grpSpPr>
       <p:sp>
         <p:nvSpPr>
-          <p:cNvPr id="19458" name="Tytuł 1">
+          <p:cNvPr id="14338" name="Symbol zastępczy zawartości 1">
             <a:extLst>
               <a:ext uri="{FF2B5EF4-FFF2-40B4-BE49-F238E27FC236}">
-                <a16:creationId xmlns:a16="http://schemas.microsoft.com/office/drawing/2014/main" id="{61E80C5A-7961-B94E-9214-8EC0112EB784}"/>
+                <a16:creationId xmlns:a16="http://schemas.microsoft.com/office/drawing/2014/main" id="{484EB451-4A34-6543-B91C-7EC8B29A3A0B}"/>
               </a:ext>
             </a:extLst>
           </p:cNvPr>
@@ -7732,29 +8253,147 @@
             <a:spLocks noGrp="1"/>
           </p:cNvSpPr>
           <p:nvPr>
-            <p:ph type="title"/>
+            <p:ph sz="half" idx="1"/>
           </p:nvPr>
         </p:nvSpPr>
         <p:spPr>
           <a:xfrm>
-            <a:off x="684213" y="115888"/>
-            <a:ext cx="3311525" cy="1319212"/>
+            <a:off x="755650" y="1268760"/>
+            <a:ext cx="8262938" cy="5256212"/>
           </a:xfrm>
         </p:spPr>
         <p:txBody>
           <a:bodyPr/>
           <a:lstStyle/>
           <a:p>
-            <a:endParaRPr lang="en-PL" altLang="en-PL"/>
+            <a:pPr marL="0" indent="0">
+              <a:buNone/>
+            </a:pPr>
+            <a:r>
+              <a:rPr lang="pl-PL" dirty="0"/>
+              <a:t>Autoenkoder – rodzaj sieci neuronowej, której zadaniem jest rekonstrukcja otrzymanych danych wejściowych.</a:t>
+            </a:r>
+          </a:p>
+          <a:p>
+            <a:pPr marL="0" indent="0">
+              <a:buNone/>
+            </a:pPr>
+            <a:endParaRPr lang="pl-PL" dirty="0"/>
+          </a:p>
+          <a:p>
+            <a:pPr marL="0" indent="0">
+              <a:buNone/>
+            </a:pPr>
+            <a:endParaRPr lang="pl-PL" dirty="0"/>
+          </a:p>
+          <a:p>
+            <a:pPr marL="0" indent="0">
+              <a:buNone/>
+            </a:pPr>
+            <a:endParaRPr lang="pl-PL" dirty="0"/>
+          </a:p>
+          <a:p>
+            <a:pPr marL="0" indent="0">
+              <a:buNone/>
+            </a:pPr>
+            <a:endParaRPr lang="pl-PL" altLang="en-PL" dirty="0"/>
+          </a:p>
+          <a:p>
+            <a:pPr marL="0" indent="0">
+              <a:buNone/>
+            </a:pPr>
+            <a:endParaRPr lang="pl-PL" altLang="en-PL" dirty="0"/>
+          </a:p>
+          <a:p>
+            <a:pPr marL="0" indent="0">
+              <a:buNone/>
+            </a:pPr>
+            <a:endParaRPr lang="pl-PL" altLang="en-PL" dirty="0"/>
+          </a:p>
+          <a:p>
+            <a:pPr marL="0" indent="0">
+              <a:buNone/>
+            </a:pPr>
+            <a:endParaRPr lang="pl-PL" altLang="en-PL" dirty="0"/>
+          </a:p>
+          <a:p>
+            <a:pPr marL="0" indent="0">
+              <a:buNone/>
+            </a:pPr>
+            <a:endParaRPr lang="pl-PL" altLang="en-PL" dirty="0"/>
+          </a:p>
+          <a:p>
+            <a:pPr marL="0" indent="0">
+              <a:buNone/>
+            </a:pPr>
+            <a:endParaRPr lang="pl-PL" altLang="en-PL" dirty="0"/>
+          </a:p>
+          <a:p>
+            <a:pPr marL="0" indent="0">
+              <a:buNone/>
+            </a:pPr>
+            <a:endParaRPr lang="pl-PL" altLang="en-PL" dirty="0"/>
+          </a:p>
+          <a:p>
+            <a:pPr marL="0" indent="0">
+              <a:buNone/>
+            </a:pPr>
+            <a:endParaRPr lang="pl-PL" altLang="en-PL" dirty="0"/>
+          </a:p>
+          <a:p>
+            <a:pPr marL="0" indent="0">
+              <a:buNone/>
+            </a:pPr>
+            <a:endParaRPr lang="pl-PL" altLang="en-PL" dirty="0"/>
+          </a:p>
+          <a:p>
+            <a:pPr>
+              <a:buFontTx/>
+              <a:buChar char="-"/>
+            </a:pPr>
+            <a:endParaRPr lang="pl-PL" altLang="en-PL" dirty="0"/>
+          </a:p>
+          <a:p>
+            <a:pPr marL="0" indent="0">
+              <a:buNone/>
+            </a:pPr>
+            <a:endParaRPr lang="pl-PL" altLang="en-PL" dirty="0"/>
+          </a:p>
+          <a:p>
+            <a:pPr>
+              <a:buFontTx/>
+              <a:buChar char="-"/>
+            </a:pPr>
+            <a:endParaRPr lang="pl-PL" altLang="en-PL" dirty="0"/>
+          </a:p>
+          <a:p>
+            <a:pPr>
+              <a:buFontTx/>
+              <a:buChar char="-"/>
+            </a:pPr>
+            <a:endParaRPr lang="pl-PL" altLang="en-PL" dirty="0"/>
+          </a:p>
+          <a:p>
+            <a:pPr marL="0" indent="0">
+              <a:buNone/>
+            </a:pPr>
+            <a:endParaRPr lang="en-PL" altLang="en-PL" dirty="0"/>
+          </a:p>
+          <a:p>
+            <a:pPr>
+              <a:buFontTx/>
+              <a:buChar char="-"/>
+            </a:pPr>
+            <a:endParaRPr lang="en-PL" altLang="en-PL" dirty="0"/>
           </a:p>
         </p:txBody>
       </p:sp>
       <p:sp>
         <p:nvSpPr>
-          <p:cNvPr id="19459" name="Symbol zastępczy zawartości 2">
+          <p:cNvPr id="14340" name="Symbol zastępczy tekstu 3">
             <a:extLst>
               <a:ext uri="{FF2B5EF4-FFF2-40B4-BE49-F238E27FC236}">
-                <a16:creationId xmlns:a16="http://schemas.microsoft.com/office/drawing/2014/main" id="{23D9BDCD-5024-184E-90DA-AECD1CAA6835}"/>
+                <a16:creationId xmlns:a16="http://schemas.microsoft.com/office/drawing/2014/main" id="{9DB6F90B-FF05-A640-BDE1-4B0DEAFAA437}"/>
               </a:ext>
             </a:extLst>
           </p:cNvPr>
@@ -7762,54 +8401,68 @@
             <a:spLocks noGrp="1"/>
           </p:cNvSpPr>
           <p:nvPr>
-            <p:ph idx="1"/>
+            <p:ph type="body" idx="11"/>
           </p:nvPr>
         </p:nvSpPr>
         <p:spPr>
           <a:xfrm>
-            <a:off x="4140200" y="115888"/>
-            <a:ext cx="4895850" cy="6626225"/>
+            <a:off x="739713" y="333028"/>
+            <a:ext cx="8285163" cy="863600"/>
           </a:xfrm>
         </p:spPr>
         <p:txBody>
           <a:bodyPr/>
           <a:lstStyle/>
           <a:p>
-            <a:endParaRPr lang="en-PL" altLang="en-PL"/>
+            <a:r>
+              <a:rPr lang="en-PL" sz="3200" dirty="0"/>
+              <a:t>Autoenkodery</a:t>
+            </a:r>
           </a:p>
         </p:txBody>
       </p:sp>
-      <p:sp>
-        <p:nvSpPr>
-          <p:cNvPr id="19460" name="Symbol zastępczy tekstu 3">
+      <p:pic>
+        <p:nvPicPr>
+          <p:cNvPr id="3" name="Picture 2" descr="A close up of a map&#10;&#10;Description automatically generated">
             <a:extLst>
               <a:ext uri="{FF2B5EF4-FFF2-40B4-BE49-F238E27FC236}">
-                <a16:creationId xmlns:a16="http://schemas.microsoft.com/office/drawing/2014/main" id="{18849C6E-66CB-0949-BBF2-6E1F781DF1A8}"/>
+                <a16:creationId xmlns:a16="http://schemas.microsoft.com/office/drawing/2014/main" id="{A547DAC3-B48D-5D4D-AE2E-B6C340E60742}"/>
               </a:ext>
             </a:extLst>
           </p:cNvPr>
-          <p:cNvSpPr>
-            <a:spLocks noGrp="1"/>
-          </p:cNvSpPr>
-          <p:nvPr>
-            <p:ph type="body" sz="half" idx="2"/>
-          </p:nvPr>
-        </p:nvSpPr>
+          <p:cNvPicPr>
+            <a:picLocks noChangeAspect="1"/>
+          </p:cNvPicPr>
+          <p:nvPr/>
+        </p:nvPicPr>
+        <p:blipFill>
+          <a:blip r:embed="rId2">
+            <a:extLst>
+              <a:ext uri="{28A0092B-C50C-407E-A947-70E740481C1C}">
+                <a14:useLocalDpi xmlns:a14="http://schemas.microsoft.com/office/drawing/2010/main" val="0"/>
+              </a:ext>
+            </a:extLst>
+          </a:blip>
+          <a:stretch>
+            <a:fillRect/>
+          </a:stretch>
+        </p:blipFill>
         <p:spPr>
           <a:xfrm>
-            <a:off x="684213" y="1435100"/>
-            <a:ext cx="3311525" cy="5307013"/>
+            <a:off x="2123728" y="2492896"/>
+            <a:ext cx="5252721" cy="3899296"/>
           </a:xfrm>
+          <a:prstGeom prst="rect">
+            <a:avLst/>
+          </a:prstGeom>
         </p:spPr>
-        <p:txBody>
-          <a:bodyPr/>
-          <a:lstStyle/>
-          <a:p>
-            <a:endParaRPr lang="en-PL" altLang="en-PL"/>
-          </a:p>
-        </p:txBody>
-      </p:sp>
+      </p:pic>
     </p:spTree>
+    <p:extLst>
+      <p:ext uri="{BB962C8B-B14F-4D97-AF65-F5344CB8AC3E}">
+        <p14:creationId xmlns:p14="http://schemas.microsoft.com/office/powerpoint/2010/main" val="2874803445"/>
+      </p:ext>
+    </p:extLst>
   </p:cSld>
   <p:clrMapOvr>
     <a:masterClrMapping/>
